--- a/Design Review.pptx
+++ b/Design Review.pptx
@@ -21,16 +21,17 @@
     <p:sldId id="265" r:id="rId16"/>
     <p:sldId id="266" r:id="rId17"/>
     <p:sldId id="267" r:id="rId18"/>
+    <p:sldId id="268" r:id="rId19"/>
   </p:sldIdLst>
   <p:sldSz cy="5143500" cx="9144000"/>
   <p:notesSz cx="6858000" cy="9144000"/>
   <p:embeddedFontLst>
     <p:embeddedFont>
       <p:font typeface="Arial Narrow"/>
-      <p:regular r:id="rId19"/>
-      <p:bold r:id="rId20"/>
-      <p:italic r:id="rId21"/>
-      <p:boldItalic r:id="rId22"/>
+      <p:regular r:id="rId20"/>
+      <p:bold r:id="rId21"/>
+      <p:italic r:id="rId22"/>
+      <p:boldItalic r:id="rId23"/>
     </p:embeddedFont>
   </p:embeddedFontLst>
   <p:defaultTextStyle>
@@ -600,7 +601,7 @@
   <p:cSld>
     <p:spTree>
       <p:nvGrpSpPr>
-        <p:cNvPr id="137" name="Shape 137"/>
+        <p:cNvPr id="134" name="Shape 134"/>
         <p:cNvGrpSpPr/>
         <p:nvPr/>
       </p:nvGrpSpPr>
@@ -614,7 +615,7 @@
       </p:grpSpPr>
       <p:sp>
         <p:nvSpPr>
-          <p:cNvPr id="138" name="Shape 138"/>
+          <p:cNvPr id="135" name="Shape 135"/>
           <p:cNvSpPr/>
           <p:nvPr>
             <p:ph idx="2" type="sldImg"/>
@@ -648,7 +649,7 @@
       </p:sp>
       <p:sp>
         <p:nvSpPr>
-          <p:cNvPr id="139" name="Shape 139"/>
+          <p:cNvPr id="136" name="Shape 136"/>
           <p:cNvSpPr txBox="1"/>
           <p:nvPr>
             <p:ph idx="1" type="body"/>
@@ -669,7 +670,7 @@
           </a:bodyPr>
           <a:lstStyle/>
           <a:p>
-            <a:pPr lvl="0" rtl="0">
+            <a:pPr lvl="0">
               <a:spcBef>
                 <a:spcPts val="0"/>
               </a:spcBef>
@@ -695,7 +696,7 @@
   <p:cSld>
     <p:spTree>
       <p:nvGrpSpPr>
-        <p:cNvPr id="142" name="Shape 142"/>
+        <p:cNvPr id="143" name="Shape 143"/>
         <p:cNvGrpSpPr/>
         <p:nvPr/>
       </p:nvGrpSpPr>
@@ -709,7 +710,7 @@
       </p:grpSpPr>
       <p:sp>
         <p:nvSpPr>
-          <p:cNvPr id="143" name="Shape 143"/>
+          <p:cNvPr id="144" name="Shape 144"/>
           <p:cNvSpPr/>
           <p:nvPr>
             <p:ph idx="2" type="sldImg"/>
@@ -743,7 +744,102 @@
       </p:sp>
       <p:sp>
         <p:nvSpPr>
-          <p:cNvPr id="144" name="Shape 144"/>
+          <p:cNvPr id="145" name="Shape 145"/>
+          <p:cNvSpPr txBox="1"/>
+          <p:nvPr>
+            <p:ph idx="1" type="body"/>
+          </p:nvPr>
+        </p:nvSpPr>
+        <p:spPr>
+          <a:xfrm>
+            <a:off x="685800" y="4343400"/>
+            <a:ext cx="5486400" cy="4114800"/>
+          </a:xfrm>
+          <a:prstGeom prst="rect">
+            <a:avLst/>
+          </a:prstGeom>
+        </p:spPr>
+        <p:txBody>
+          <a:bodyPr anchorCtr="0" anchor="t" bIns="91425" lIns="91425" rIns="91425" wrap="square" tIns="91425">
+            <a:noAutofit/>
+          </a:bodyPr>
+          <a:lstStyle/>
+          <a:p>
+            <a:pPr lvl="0" rtl="0">
+              <a:spcBef>
+                <a:spcPts val="0"/>
+              </a:spcBef>
+              <a:buNone/>
+            </a:pPr>
+            <a:r>
+              <a:t/>
+            </a:r>
+            <a:endParaRPr/>
+          </a:p>
+        </p:txBody>
+      </p:sp>
+    </p:spTree>
+  </p:cSld>
+  <p:clrMapOvr>
+    <a:masterClrMapping/>
+  </p:clrMapOvr>
+</p:notes>
+</file>
+
+<file path=ppt/notesSlides/notesSlide13.xml><?xml version="1.0" encoding="utf-8"?>
+<p:notes xmlns:a="http://schemas.openxmlformats.org/drawingml/2006/main" xmlns:r="http://schemas.openxmlformats.org/officeDocument/2006/relationships" xmlns:mc="http://schemas.openxmlformats.org/markup-compatibility/2006" xmlns:mv="urn:schemas-microsoft-com:mac:vml" xmlns:p="http://schemas.openxmlformats.org/presentationml/2006/main" xmlns:c="http://schemas.openxmlformats.org/drawingml/2006/chart" xmlns:dgm="http://schemas.openxmlformats.org/drawingml/2006/diagram" xmlns:o="urn:schemas-microsoft-com:office:office" xmlns:v="urn:schemas-microsoft-com:vml" xmlns:pvml="urn:schemas-microsoft-com:office:powerpoint" xmlns:com="http://schemas.openxmlformats.org/drawingml/2006/compatibility" xmlns:p14="http://schemas.microsoft.com/office/powerpoint/2010/main" xmlns:p15="http://schemas.microsoft.com/office/powerpoint/2012/main" showMasterPhAnim="0" showMasterSp="0">
+  <p:cSld>
+    <p:spTree>
+      <p:nvGrpSpPr>
+        <p:cNvPr id="148" name="Shape 148"/>
+        <p:cNvGrpSpPr/>
+        <p:nvPr/>
+      </p:nvGrpSpPr>
+      <p:grpSpPr>
+        <a:xfrm>
+          <a:off x="0" y="0"/>
+          <a:ext cx="0" cy="0"/>
+          <a:chOff x="0" y="0"/>
+          <a:chExt cx="0" cy="0"/>
+        </a:xfrm>
+      </p:grpSpPr>
+      <p:sp>
+        <p:nvSpPr>
+          <p:cNvPr id="149" name="Shape 149"/>
+          <p:cNvSpPr/>
+          <p:nvPr>
+            <p:ph idx="2" type="sldImg"/>
+          </p:nvPr>
+        </p:nvSpPr>
+        <p:spPr>
+          <a:xfrm>
+            <a:off x="381300" y="685800"/>
+            <a:ext cx="6096000" cy="3429000"/>
+          </a:xfrm>
+          <a:custGeom>
+            <a:pathLst>
+              <a:path extrusionOk="0" h="120000" w="120000">
+                <a:moveTo>
+                  <a:pt x="0" y="0"/>
+                </a:moveTo>
+                <a:lnTo>
+                  <a:pt x="120000" y="0"/>
+                </a:lnTo>
+                <a:lnTo>
+                  <a:pt x="120000" y="120000"/>
+                </a:lnTo>
+                <a:lnTo>
+                  <a:pt x="0" y="120000"/>
+                </a:lnTo>
+                <a:close/>
+              </a:path>
+            </a:pathLst>
+          </a:custGeom>
+        </p:spPr>
+      </p:sp>
+      <p:sp>
+        <p:nvSpPr>
+          <p:cNvPr id="150" name="Shape 150"/>
           <p:cNvSpPr txBox="1"/>
           <p:nvPr>
             <p:ph idx="1" type="body"/>
@@ -1360,7 +1456,7 @@
   <p:cSld>
     <p:spTree>
       <p:nvGrpSpPr>
-        <p:cNvPr id="115" name="Shape 115"/>
+        <p:cNvPr id="114" name="Shape 114"/>
         <p:cNvGrpSpPr/>
         <p:nvPr/>
       </p:nvGrpSpPr>
@@ -1374,7 +1470,7 @@
       </p:grpSpPr>
       <p:sp>
         <p:nvSpPr>
-          <p:cNvPr id="116" name="Shape 116"/>
+          <p:cNvPr id="115" name="Shape 115"/>
           <p:cNvSpPr/>
           <p:nvPr>
             <p:ph idx="2" type="sldImg"/>
@@ -1408,7 +1504,7 @@
       </p:sp>
       <p:sp>
         <p:nvSpPr>
-          <p:cNvPr id="117" name="Shape 117"/>
+          <p:cNvPr id="116" name="Shape 116"/>
           <p:cNvSpPr txBox="1"/>
           <p:nvPr>
             <p:ph idx="1" type="body"/>
@@ -1429,7 +1525,7 @@
           </a:bodyPr>
           <a:lstStyle/>
           <a:p>
-            <a:pPr lvl="0">
+            <a:pPr lvl="0" rtl="0">
               <a:spcBef>
                 <a:spcPts val="0"/>
               </a:spcBef>
@@ -1455,7 +1551,7 @@
   <p:cSld>
     <p:spTree>
       <p:nvGrpSpPr>
-        <p:cNvPr id="122" name="Shape 122"/>
+        <p:cNvPr id="121" name="Shape 121"/>
         <p:cNvGrpSpPr/>
         <p:nvPr/>
       </p:nvGrpSpPr>
@@ -1469,7 +1565,7 @@
       </p:grpSpPr>
       <p:sp>
         <p:nvSpPr>
-          <p:cNvPr id="123" name="Shape 123"/>
+          <p:cNvPr id="122" name="Shape 122"/>
           <p:cNvSpPr/>
           <p:nvPr>
             <p:ph idx="2" type="sldImg"/>
@@ -1503,7 +1599,7 @@
       </p:sp>
       <p:sp>
         <p:nvSpPr>
-          <p:cNvPr id="124" name="Shape 124"/>
+          <p:cNvPr id="123" name="Shape 123"/>
           <p:cNvSpPr txBox="1"/>
           <p:nvPr>
             <p:ph idx="1" type="body"/>
@@ -8394,7 +8490,7 @@
                 <a:cs typeface="Arial"/>
                 <a:sym typeface="Arial"/>
               </a:rPr>
-              <a:t>Zheiqing Li</a:t>
+              <a:t>Zheqing Li</a:t>
             </a:r>
           </a:p>
           <a:p>
@@ -8462,6 +8558,725 @@
         </p:nvSpPr>
         <p:spPr>
           <a:xfrm>
+            <a:off x="458550" y="1121025"/>
+            <a:ext cx="7191300" cy="575100"/>
+          </a:xfrm>
+          <a:prstGeom prst="rect">
+            <a:avLst/>
+          </a:prstGeom>
+        </p:spPr>
+        <p:txBody>
+          <a:bodyPr anchorCtr="0" anchor="b" bIns="91425" lIns="91425" rIns="91425" wrap="square" tIns="91425">
+            <a:noAutofit/>
+          </a:bodyPr>
+          <a:lstStyle/>
+          <a:p>
+            <a:pPr lvl="0">
+              <a:spcBef>
+                <a:spcPts val="0"/>
+              </a:spcBef>
+              <a:buNone/>
+            </a:pPr>
+            <a:r>
+              <a:rPr lang="en"/>
+              <a:t>Risk Analysis</a:t>
+            </a:r>
+          </a:p>
+        </p:txBody>
+      </p:sp>
+      <p:graphicFrame>
+        <p:nvGraphicFramePr>
+          <p:cNvPr id="133" name="Shape 133"/>
+          <p:cNvGraphicFramePr/>
+          <p:nvPr/>
+        </p:nvGraphicFramePr>
+        <p:xfrm>
+          <a:off x="960088" y="1623250"/>
+          <a:ext cx="3000000" cy="3000000"/>
+        </p:xfrm>
+        <a:graphic>
+          <a:graphicData uri="http://schemas.openxmlformats.org/drawingml/2006/table">
+            <a:tbl>
+              <a:tblPr>
+                <a:noFill/>
+                <a:tableStyleId>{8582FAF2-C701-4961-87C4-64E6CBBE908D}</a:tableStyleId>
+              </a:tblPr>
+              <a:tblGrid>
+                <a:gridCol w="1376700"/>
+                <a:gridCol w="1418175"/>
+                <a:gridCol w="950975"/>
+                <a:gridCol w="812325"/>
+                <a:gridCol w="750325"/>
+                <a:gridCol w="1915325"/>
+              </a:tblGrid>
+              <a:tr h="354300">
+                <a:tc>
+                  <a:txBody>
+                    <a:bodyPr>
+                      <a:noAutofit/>
+                    </a:bodyPr>
+                    <a:lstStyle/>
+                    <a:p>
+                      <a:pPr lvl="0" rtl="0" algn="ctr">
+                        <a:spcBef>
+                          <a:spcPts val="0"/>
+                        </a:spcBef>
+                        <a:buClr>
+                          <a:schemeClr val="dk1"/>
+                        </a:buClr>
+                        <a:buSzPct val="100000"/>
+                        <a:buFont typeface="Arial"/>
+                        <a:buNone/>
+                      </a:pPr>
+                      <a:r>
+                        <a:rPr b="1" lang="en" sz="1100">
+                          <a:solidFill>
+                            <a:schemeClr val="dk1"/>
+                          </a:solidFill>
+                        </a:rPr>
+                        <a:t>Risk</a:t>
+                      </a:r>
+                    </a:p>
+                  </a:txBody>
+                  <a:tcPr marT="91425" marB="91425" marR="91425" marL="91425"/>
+                </a:tc>
+                <a:tc>
+                  <a:txBody>
+                    <a:bodyPr>
+                      <a:noAutofit/>
+                    </a:bodyPr>
+                    <a:lstStyle/>
+                    <a:p>
+                      <a:pPr lvl="0" rtl="0">
+                        <a:spcBef>
+                          <a:spcPts val="0"/>
+                        </a:spcBef>
+                        <a:buClr>
+                          <a:schemeClr val="dk1"/>
+                        </a:buClr>
+                        <a:buSzPct val="100000"/>
+                        <a:buFont typeface="Arial"/>
+                        <a:buNone/>
+                      </a:pPr>
+                      <a:r>
+                        <a:rPr b="1" lang="en" sz="1100">
+                          <a:solidFill>
+                            <a:schemeClr val="dk1"/>
+                          </a:solidFill>
+                        </a:rPr>
+                        <a:t>Consequences</a:t>
+                      </a:r>
+                    </a:p>
+                  </a:txBody>
+                  <a:tcPr marT="91425" marB="91425" marR="91425" marL="91425"/>
+                </a:tc>
+                <a:tc>
+                  <a:txBody>
+                    <a:bodyPr>
+                      <a:noAutofit/>
+                    </a:bodyPr>
+                    <a:lstStyle/>
+                    <a:p>
+                      <a:pPr lvl="0" rtl="0" algn="ctr">
+                        <a:spcBef>
+                          <a:spcPts val="0"/>
+                        </a:spcBef>
+                        <a:buNone/>
+                      </a:pPr>
+                      <a:r>
+                        <a:rPr b="1" lang="en" sz="1100"/>
+                        <a:t>Probability</a:t>
+                      </a:r>
+                    </a:p>
+                  </a:txBody>
+                  <a:tcPr marT="91425" marB="91425" marR="91425" marL="91425"/>
+                </a:tc>
+                <a:tc>
+                  <a:txBody>
+                    <a:bodyPr>
+                      <a:noAutofit/>
+                    </a:bodyPr>
+                    <a:lstStyle/>
+                    <a:p>
+                      <a:pPr lvl="0" rtl="0" algn="ctr">
+                        <a:spcBef>
+                          <a:spcPts val="0"/>
+                        </a:spcBef>
+                        <a:buNone/>
+                      </a:pPr>
+                      <a:r>
+                        <a:rPr b="1" lang="en" sz="1100"/>
+                        <a:t>Severity</a:t>
+                      </a:r>
+                    </a:p>
+                  </a:txBody>
+                  <a:tcPr marT="91425" marB="91425" marR="91425" marL="91425"/>
+                </a:tc>
+                <a:tc>
+                  <a:txBody>
+                    <a:bodyPr>
+                      <a:noAutofit/>
+                    </a:bodyPr>
+                    <a:lstStyle/>
+                    <a:p>
+                      <a:pPr lvl="0" rtl="0" algn="ctr">
+                        <a:spcBef>
+                          <a:spcPts val="0"/>
+                        </a:spcBef>
+                        <a:buNone/>
+                      </a:pPr>
+                      <a:r>
+                        <a:rPr b="1" lang="en" sz="1100"/>
+                        <a:t>Impact</a:t>
+                      </a:r>
+                    </a:p>
+                  </a:txBody>
+                  <a:tcPr marT="91425" marB="91425" marR="91425" marL="91425"/>
+                </a:tc>
+                <a:tc>
+                  <a:txBody>
+                    <a:bodyPr>
+                      <a:noAutofit/>
+                    </a:bodyPr>
+                    <a:lstStyle/>
+                    <a:p>
+                      <a:pPr lvl="0" rtl="0">
+                        <a:spcBef>
+                          <a:spcPts val="0"/>
+                        </a:spcBef>
+                        <a:buClr>
+                          <a:schemeClr val="dk1"/>
+                        </a:buClr>
+                        <a:buSzPct val="100000"/>
+                        <a:buFont typeface="Arial"/>
+                        <a:buNone/>
+                      </a:pPr>
+                      <a:r>
+                        <a:rPr b="1" lang="en" sz="1100">
+                          <a:solidFill>
+                            <a:schemeClr val="dk1"/>
+                          </a:solidFill>
+                        </a:rPr>
+                        <a:t>Mitigation Strategies</a:t>
+                      </a:r>
+                    </a:p>
+                  </a:txBody>
+                  <a:tcPr marT="91425" marB="91425" marR="91425" marL="91425"/>
+                </a:tc>
+              </a:tr>
+              <a:tr h="463275">
+                <a:tc>
+                  <a:txBody>
+                    <a:bodyPr>
+                      <a:noAutofit/>
+                    </a:bodyPr>
+                    <a:lstStyle/>
+                    <a:p>
+                      <a:pPr lvl="0" rtl="0">
+                        <a:spcBef>
+                          <a:spcPts val="0"/>
+                        </a:spcBef>
+                        <a:buClr>
+                          <a:schemeClr val="dk1"/>
+                        </a:buClr>
+                        <a:buSzPct val="100000"/>
+                        <a:buFont typeface="Arial"/>
+                        <a:buNone/>
+                      </a:pPr>
+                      <a:r>
+                        <a:rPr lang="en" sz="1100">
+                          <a:solidFill>
+                            <a:schemeClr val="dk1"/>
+                          </a:solidFill>
+                        </a:rPr>
+                        <a:t>Teammate gets sick, schedule conflicts</a:t>
+                      </a:r>
+                    </a:p>
+                  </a:txBody>
+                  <a:tcPr marT="91425" marB="91425" marR="91425" marL="91425"/>
+                </a:tc>
+                <a:tc>
+                  <a:txBody>
+                    <a:bodyPr>
+                      <a:noAutofit/>
+                    </a:bodyPr>
+                    <a:lstStyle/>
+                    <a:p>
+                      <a:pPr lvl="0" rtl="0">
+                        <a:spcBef>
+                          <a:spcPts val="0"/>
+                        </a:spcBef>
+                        <a:buClr>
+                          <a:schemeClr val="dk1"/>
+                        </a:buClr>
+                        <a:buSzPct val="100000"/>
+                        <a:buFont typeface="Arial"/>
+                        <a:buNone/>
+                      </a:pPr>
+                      <a:r>
+                        <a:rPr lang="en" sz="1100">
+                          <a:solidFill>
+                            <a:schemeClr val="dk1"/>
+                          </a:solidFill>
+                        </a:rPr>
+                        <a:t>Could not finish the project on time</a:t>
+                      </a:r>
+                    </a:p>
+                  </a:txBody>
+                  <a:tcPr marT="91425" marB="91425" marR="91425" marL="91425"/>
+                </a:tc>
+                <a:tc>
+                  <a:txBody>
+                    <a:bodyPr>
+                      <a:noAutofit/>
+                    </a:bodyPr>
+                    <a:lstStyle/>
+                    <a:p>
+                      <a:pPr lvl="0" rtl="0">
+                        <a:spcBef>
+                          <a:spcPts val="0"/>
+                        </a:spcBef>
+                        <a:buNone/>
+                      </a:pPr>
+                      <a:r>
+                        <a:rPr lang="en" sz="1100"/>
+                        <a:t>0.3</a:t>
+                      </a:r>
+                    </a:p>
+                  </a:txBody>
+                  <a:tcPr marT="91425" marB="91425" marR="91425" marL="91425"/>
+                </a:tc>
+                <a:tc>
+                  <a:txBody>
+                    <a:bodyPr>
+                      <a:noAutofit/>
+                    </a:bodyPr>
+                    <a:lstStyle/>
+                    <a:p>
+                      <a:pPr lvl="0" rtl="0">
+                        <a:spcBef>
+                          <a:spcPts val="0"/>
+                        </a:spcBef>
+                        <a:buNone/>
+                      </a:pPr>
+                      <a:r>
+                        <a:rPr lang="en" sz="1100"/>
+                        <a:t>10</a:t>
+                      </a:r>
+                    </a:p>
+                  </a:txBody>
+                  <a:tcPr marT="91425" marB="91425" marR="91425" marL="91425"/>
+                </a:tc>
+                <a:tc>
+                  <a:txBody>
+                    <a:bodyPr>
+                      <a:noAutofit/>
+                    </a:bodyPr>
+                    <a:lstStyle/>
+                    <a:p>
+                      <a:pPr lvl="0" rtl="0">
+                        <a:spcBef>
+                          <a:spcPts val="0"/>
+                        </a:spcBef>
+                        <a:buNone/>
+                      </a:pPr>
+                      <a:r>
+                        <a:rPr lang="en" sz="1100"/>
+                        <a:t>3</a:t>
+                      </a:r>
+                    </a:p>
+                  </a:txBody>
+                  <a:tcPr marT="91425" marB="91425" marR="91425" marL="91425"/>
+                </a:tc>
+                <a:tc>
+                  <a:txBody>
+                    <a:bodyPr>
+                      <a:noAutofit/>
+                    </a:bodyPr>
+                    <a:lstStyle/>
+                    <a:p>
+                      <a:pPr lvl="0">
+                        <a:spcBef>
+                          <a:spcPts val="0"/>
+                        </a:spcBef>
+                        <a:buClr>
+                          <a:schemeClr val="dk1"/>
+                        </a:buClr>
+                        <a:buSzPct val="100000"/>
+                        <a:buFont typeface="Arial"/>
+                        <a:buNone/>
+                      </a:pPr>
+                      <a:r>
+                        <a:rPr lang="en" sz="1100">
+                          <a:solidFill>
+                            <a:schemeClr val="dk1"/>
+                          </a:solidFill>
+                        </a:rPr>
+                        <a:t>Shift our tasks if necessary</a:t>
+                      </a:r>
+                    </a:p>
+                    <a:p>
+                      <a:pPr lvl="0" rtl="0">
+                        <a:spcBef>
+                          <a:spcPts val="0"/>
+                        </a:spcBef>
+                        <a:buClr>
+                          <a:schemeClr val="dk1"/>
+                        </a:buClr>
+                        <a:buSzPct val="100000"/>
+                        <a:buFont typeface="Arial"/>
+                        <a:buNone/>
+                      </a:pPr>
+                      <a:r>
+                        <a:t/>
+                      </a:r>
+                      <a:endParaRPr sz="1100">
+                        <a:solidFill>
+                          <a:schemeClr val="dk1"/>
+                        </a:solidFill>
+                      </a:endParaRPr>
+                    </a:p>
+                  </a:txBody>
+                  <a:tcPr marT="91425" marB="91425" marR="91425" marL="91425"/>
+                </a:tc>
+              </a:tr>
+              <a:tr h="473700">
+                <a:tc>
+                  <a:txBody>
+                    <a:bodyPr>
+                      <a:noAutofit/>
+                    </a:bodyPr>
+                    <a:lstStyle/>
+                    <a:p>
+                      <a:pPr lvl="0" rtl="0">
+                        <a:spcBef>
+                          <a:spcPts val="0"/>
+                        </a:spcBef>
+                        <a:buClr>
+                          <a:schemeClr val="dk1"/>
+                        </a:buClr>
+                        <a:buSzPct val="100000"/>
+                        <a:buFont typeface="Arial"/>
+                        <a:buNone/>
+                      </a:pPr>
+                      <a:r>
+                        <a:rPr lang="en" sz="1100">
+                          <a:solidFill>
+                            <a:schemeClr val="dk1"/>
+                          </a:solidFill>
+                        </a:rPr>
+                        <a:t>Spend long time building the system</a:t>
+                      </a:r>
+                    </a:p>
+                  </a:txBody>
+                  <a:tcPr marT="91425" marB="91425" marR="91425" marL="91425"/>
+                </a:tc>
+                <a:tc>
+                  <a:txBody>
+                    <a:bodyPr>
+                      <a:noAutofit/>
+                    </a:bodyPr>
+                    <a:lstStyle/>
+                    <a:p>
+                      <a:pPr lvl="0" rtl="0">
+                        <a:spcBef>
+                          <a:spcPts val="0"/>
+                        </a:spcBef>
+                        <a:buClr>
+                          <a:schemeClr val="dk1"/>
+                        </a:buClr>
+                        <a:buSzPct val="100000"/>
+                        <a:buFont typeface="Arial"/>
+                        <a:buNone/>
+                      </a:pPr>
+                      <a:r>
+                        <a:rPr lang="en" sz="1100">
+                          <a:solidFill>
+                            <a:schemeClr val="dk1"/>
+                          </a:solidFill>
+                        </a:rPr>
+                        <a:t>Could not follow the timeline</a:t>
+                      </a:r>
+                    </a:p>
+                  </a:txBody>
+                  <a:tcPr marT="91425" marB="91425" marR="91425" marL="91425"/>
+                </a:tc>
+                <a:tc>
+                  <a:txBody>
+                    <a:bodyPr>
+                      <a:noAutofit/>
+                    </a:bodyPr>
+                    <a:lstStyle/>
+                    <a:p>
+                      <a:pPr lvl="0" rtl="0">
+                        <a:spcBef>
+                          <a:spcPts val="0"/>
+                        </a:spcBef>
+                        <a:buNone/>
+                      </a:pPr>
+                      <a:r>
+                        <a:rPr lang="en" sz="1100"/>
+                        <a:t>0.2</a:t>
+                      </a:r>
+                    </a:p>
+                  </a:txBody>
+                  <a:tcPr marT="91425" marB="91425" marR="91425" marL="91425"/>
+                </a:tc>
+                <a:tc>
+                  <a:txBody>
+                    <a:bodyPr>
+                      <a:noAutofit/>
+                    </a:bodyPr>
+                    <a:lstStyle/>
+                    <a:p>
+                      <a:pPr lvl="0" rtl="0">
+                        <a:spcBef>
+                          <a:spcPts val="0"/>
+                        </a:spcBef>
+                        <a:buNone/>
+                      </a:pPr>
+                      <a:r>
+                        <a:rPr lang="en" sz="1100"/>
+                        <a:t>9</a:t>
+                      </a:r>
+                    </a:p>
+                  </a:txBody>
+                  <a:tcPr marT="91425" marB="91425" marR="91425" marL="91425"/>
+                </a:tc>
+                <a:tc>
+                  <a:txBody>
+                    <a:bodyPr>
+                      <a:noAutofit/>
+                    </a:bodyPr>
+                    <a:lstStyle/>
+                    <a:p>
+                      <a:pPr lvl="0" rtl="0">
+                        <a:spcBef>
+                          <a:spcPts val="0"/>
+                        </a:spcBef>
+                        <a:buNone/>
+                      </a:pPr>
+                      <a:r>
+                        <a:rPr lang="en" sz="1100"/>
+                        <a:t>1.8</a:t>
+                      </a:r>
+                    </a:p>
+                  </a:txBody>
+                  <a:tcPr marT="91425" marB="91425" marR="91425" marL="91425"/>
+                </a:tc>
+                <a:tc>
+                  <a:txBody>
+                    <a:bodyPr>
+                      <a:noAutofit/>
+                    </a:bodyPr>
+                    <a:lstStyle/>
+                    <a:p>
+                      <a:pPr lvl="0" rtl="0">
+                        <a:spcBef>
+                          <a:spcPts val="0"/>
+                        </a:spcBef>
+                        <a:buClr>
+                          <a:schemeClr val="dk1"/>
+                        </a:buClr>
+                        <a:buSzPct val="100000"/>
+                        <a:buFont typeface="Arial"/>
+                        <a:buNone/>
+                      </a:pPr>
+                      <a:r>
+                        <a:rPr lang="en" sz="1100">
+                          <a:solidFill>
+                            <a:schemeClr val="dk1"/>
+                          </a:solidFill>
+                        </a:rPr>
+                        <a:t>Find help outside of the class, and spend more time</a:t>
+                      </a:r>
+                    </a:p>
+                  </a:txBody>
+                  <a:tcPr marT="91425" marB="91425" marR="91425" marL="91425"/>
+                </a:tc>
+              </a:tr>
+              <a:tr h="795750">
+                <a:tc>
+                  <a:txBody>
+                    <a:bodyPr>
+                      <a:noAutofit/>
+                    </a:bodyPr>
+                    <a:lstStyle/>
+                    <a:p>
+                      <a:pPr lvl="0" rtl="0">
+                        <a:spcBef>
+                          <a:spcPts val="0"/>
+                        </a:spcBef>
+                        <a:buClr>
+                          <a:schemeClr val="dk1"/>
+                        </a:buClr>
+                        <a:buSzPct val="100000"/>
+                        <a:buFont typeface="Arial"/>
+                        <a:buNone/>
+                      </a:pPr>
+                      <a:r>
+                        <a:rPr lang="en" sz="1100"/>
+                        <a:t>Operating system not working, or some tools not supported on browser</a:t>
+                      </a:r>
+                    </a:p>
+                  </a:txBody>
+                  <a:tcPr marT="91425" marB="91425" marR="91425" marL="91425"/>
+                </a:tc>
+                <a:tc>
+                  <a:txBody>
+                    <a:bodyPr>
+                      <a:noAutofit/>
+                    </a:bodyPr>
+                    <a:lstStyle/>
+                    <a:p>
+                      <a:pPr lvl="0" rtl="0">
+                        <a:spcBef>
+                          <a:spcPts val="0"/>
+                        </a:spcBef>
+                        <a:buClr>
+                          <a:schemeClr val="dk1"/>
+                        </a:buClr>
+                        <a:buSzPct val="100000"/>
+                        <a:buFont typeface="Arial"/>
+                        <a:buNone/>
+                      </a:pPr>
+                      <a:r>
+                        <a:rPr lang="en" sz="1100"/>
+                        <a:t>Application not functional</a:t>
+                      </a:r>
+                    </a:p>
+                  </a:txBody>
+                  <a:tcPr marT="91425" marB="91425" marR="91425" marL="91425"/>
+                </a:tc>
+                <a:tc>
+                  <a:txBody>
+                    <a:bodyPr>
+                      <a:noAutofit/>
+                    </a:bodyPr>
+                    <a:lstStyle/>
+                    <a:p>
+                      <a:pPr lvl="0" rtl="0">
+                        <a:spcBef>
+                          <a:spcPts val="0"/>
+                        </a:spcBef>
+                        <a:buNone/>
+                      </a:pPr>
+                      <a:r>
+                        <a:rPr lang="en" sz="1100"/>
+                        <a:t>0.1</a:t>
+                      </a:r>
+                    </a:p>
+                  </a:txBody>
+                  <a:tcPr marT="91425" marB="91425" marR="91425" marL="91425"/>
+                </a:tc>
+                <a:tc>
+                  <a:txBody>
+                    <a:bodyPr>
+                      <a:noAutofit/>
+                    </a:bodyPr>
+                    <a:lstStyle/>
+                    <a:p>
+                      <a:pPr lvl="0" rtl="0">
+                        <a:spcBef>
+                          <a:spcPts val="0"/>
+                        </a:spcBef>
+                        <a:buNone/>
+                      </a:pPr>
+                      <a:r>
+                        <a:rPr lang="en" sz="1100"/>
+                        <a:t>10</a:t>
+                      </a:r>
+                    </a:p>
+                  </a:txBody>
+                  <a:tcPr marT="91425" marB="91425" marR="91425" marL="91425"/>
+                </a:tc>
+                <a:tc>
+                  <a:txBody>
+                    <a:bodyPr>
+                      <a:noAutofit/>
+                    </a:bodyPr>
+                    <a:lstStyle/>
+                    <a:p>
+                      <a:pPr lvl="0" rtl="0">
+                        <a:spcBef>
+                          <a:spcPts val="0"/>
+                        </a:spcBef>
+                        <a:buNone/>
+                      </a:pPr>
+                      <a:r>
+                        <a:rPr lang="en" sz="1100"/>
+                        <a:t>1</a:t>
+                      </a:r>
+                    </a:p>
+                  </a:txBody>
+                  <a:tcPr marT="91425" marB="91425" marR="91425" marL="91425"/>
+                </a:tc>
+                <a:tc>
+                  <a:txBody>
+                    <a:bodyPr>
+                      <a:noAutofit/>
+                    </a:bodyPr>
+                    <a:lstStyle/>
+                    <a:p>
+                      <a:pPr lvl="0" rtl="0">
+                        <a:spcBef>
+                          <a:spcPts val="0"/>
+                        </a:spcBef>
+                        <a:buClr>
+                          <a:schemeClr val="dk1"/>
+                        </a:buClr>
+                        <a:buSzPct val="100000"/>
+                        <a:buFont typeface="Arial"/>
+                        <a:buNone/>
+                      </a:pPr>
+                      <a:r>
+                        <a:rPr lang="en" sz="1100"/>
+                        <a:t>Built reliable secure, sufficient, functional system</a:t>
+                      </a:r>
+                    </a:p>
+                  </a:txBody>
+                  <a:tcPr marT="91425" marB="91425" marR="91425" marL="91425"/>
+                </a:tc>
+              </a:tr>
+            </a:tbl>
+          </a:graphicData>
+        </a:graphic>
+      </p:graphicFrame>
+    </p:spTree>
+  </p:cSld>
+  <p:clrMapOvr>
+    <a:masterClrMapping/>
+  </p:clrMapOvr>
+</p:sld>
+</file>
+
+<file path=ppt/slides/slide11.xml><?xml version="1.0" encoding="utf-8"?>
+<p:sld xmlns:a="http://schemas.openxmlformats.org/drawingml/2006/main" xmlns:r="http://schemas.openxmlformats.org/officeDocument/2006/relationships" xmlns:mc="http://schemas.openxmlformats.org/markup-compatibility/2006" xmlns:mv="urn:schemas-microsoft-com:mac:vml" xmlns:p="http://schemas.openxmlformats.org/presentationml/2006/main" xmlns:c="http://schemas.openxmlformats.org/drawingml/2006/chart" xmlns:dgm="http://schemas.openxmlformats.org/drawingml/2006/diagram" xmlns:o="urn:schemas-microsoft-com:office:office" xmlns:v="urn:schemas-microsoft-com:vml" xmlns:pvml="urn:schemas-microsoft-com:office:powerpoint" xmlns:com="http://schemas.openxmlformats.org/drawingml/2006/compatibility" xmlns:p14="http://schemas.microsoft.com/office/powerpoint/2010/main" xmlns:p15="http://schemas.microsoft.com/office/powerpoint/2012/main">
+  <p:cSld>
+    <p:spTree>
+      <p:nvGrpSpPr>
+        <p:cNvPr id="137" name="Shape 137"/>
+        <p:cNvGrpSpPr/>
+        <p:nvPr/>
+      </p:nvGrpSpPr>
+      <p:grpSpPr>
+        <a:xfrm>
+          <a:off x="0" y="0"/>
+          <a:ext cx="0" cy="0"/>
+          <a:chOff x="0" y="0"/>
+          <a:chExt cx="0" cy="0"/>
+        </a:xfrm>
+      </p:grpSpPr>
+      <p:sp>
+        <p:nvSpPr>
+          <p:cNvPr id="138" name="Shape 138"/>
+          <p:cNvSpPr txBox="1"/>
+          <p:nvPr>
+            <p:ph type="ctrTitle"/>
+          </p:nvPr>
+        </p:nvSpPr>
+        <p:spPr>
+          <a:xfrm>
             <a:off x="540175" y="839750"/>
             <a:ext cx="7191300" cy="857400"/>
           </a:xfrm>
@@ -8490,7 +9305,7 @@
       </p:sp>
       <p:pic>
         <p:nvPicPr>
-          <p:cNvPr id="133" name="Shape 133"/>
+          <p:cNvPr id="139" name="Shape 139"/>
           <p:cNvPicPr preferRelativeResize="0"/>
           <p:nvPr/>
         </p:nvPicPr>
@@ -8518,7 +9333,7 @@
       </p:pic>
       <p:sp>
         <p:nvSpPr>
-          <p:cNvPr id="134" name="Shape 134"/>
+          <p:cNvPr id="140" name="Shape 140"/>
           <p:cNvSpPr txBox="1"/>
           <p:nvPr/>
         </p:nvSpPr>
@@ -8556,7 +9371,7 @@
       </p:sp>
       <p:sp>
         <p:nvSpPr>
-          <p:cNvPr id="135" name="Shape 135"/>
+          <p:cNvPr id="141" name="Shape 141"/>
           <p:cNvSpPr txBox="1"/>
           <p:nvPr/>
         </p:nvSpPr>
@@ -8594,7 +9409,7 @@
       </p:sp>
       <p:sp>
         <p:nvSpPr>
-          <p:cNvPr id="136" name="Shape 136"/>
+          <p:cNvPr id="142" name="Shape 142"/>
           <p:cNvSpPr txBox="1"/>
           <p:nvPr/>
         </p:nvSpPr>
@@ -8638,12 +9453,12 @@
 </p:sld>
 </file>
 
-<file path=ppt/slides/slide11.xml><?xml version="1.0" encoding="utf-8"?>
+<file path=ppt/slides/slide12.xml><?xml version="1.0" encoding="utf-8"?>
 <p:sld xmlns:a="http://schemas.openxmlformats.org/drawingml/2006/main" xmlns:r="http://schemas.openxmlformats.org/officeDocument/2006/relationships" xmlns:mc="http://schemas.openxmlformats.org/markup-compatibility/2006" xmlns:mv="urn:schemas-microsoft-com:mac:vml" xmlns:p="http://schemas.openxmlformats.org/presentationml/2006/main" xmlns:c="http://schemas.openxmlformats.org/drawingml/2006/chart" xmlns:dgm="http://schemas.openxmlformats.org/drawingml/2006/diagram" xmlns:o="urn:schemas-microsoft-com:office:office" xmlns:v="urn:schemas-microsoft-com:vml" xmlns:pvml="urn:schemas-microsoft-com:office:powerpoint" xmlns:com="http://schemas.openxmlformats.org/drawingml/2006/compatibility" xmlns:p14="http://schemas.microsoft.com/office/powerpoint/2010/main" xmlns:p15="http://schemas.microsoft.com/office/powerpoint/2012/main">
   <p:cSld>
     <p:spTree>
       <p:nvGrpSpPr>
-        <p:cNvPr id="140" name="Shape 140"/>
+        <p:cNvPr id="146" name="Shape 146"/>
         <p:cNvGrpSpPr/>
         <p:nvPr/>
       </p:nvGrpSpPr>
@@ -8657,7 +9472,7 @@
       </p:grpSpPr>
       <p:sp>
         <p:nvSpPr>
-          <p:cNvPr id="141" name="Shape 141"/>
+          <p:cNvPr id="147" name="Shape 147"/>
           <p:cNvSpPr txBox="1"/>
           <p:nvPr>
             <p:ph type="ctrTitle"/>
@@ -8699,12 +9514,12 @@
 </p:sld>
 </file>
 
-<file path=ppt/slides/slide12.xml><?xml version="1.0" encoding="utf-8"?>
+<file path=ppt/slides/slide13.xml><?xml version="1.0" encoding="utf-8"?>
 <p:sld xmlns:a="http://schemas.openxmlformats.org/drawingml/2006/main" xmlns:r="http://schemas.openxmlformats.org/officeDocument/2006/relationships" xmlns:mc="http://schemas.openxmlformats.org/markup-compatibility/2006" xmlns:mv="urn:schemas-microsoft-com:mac:vml" xmlns:p="http://schemas.openxmlformats.org/presentationml/2006/main" xmlns:c="http://schemas.openxmlformats.org/drawingml/2006/chart" xmlns:dgm="http://schemas.openxmlformats.org/drawingml/2006/diagram" xmlns:o="urn:schemas-microsoft-com:office:office" xmlns:v="urn:schemas-microsoft-com:vml" xmlns:pvml="urn:schemas-microsoft-com:office:powerpoint" xmlns:com="http://schemas.openxmlformats.org/drawingml/2006/compatibility" xmlns:p14="http://schemas.microsoft.com/office/powerpoint/2010/main" xmlns:p15="http://schemas.microsoft.com/office/powerpoint/2012/main">
   <p:cSld>
     <p:spTree>
       <p:nvGrpSpPr>
-        <p:cNvPr id="145" name="Shape 145"/>
+        <p:cNvPr id="151" name="Shape 151"/>
         <p:cNvGrpSpPr/>
         <p:nvPr/>
       </p:nvGrpSpPr>
@@ -8718,7 +9533,7 @@
       </p:grpSpPr>
       <p:sp>
         <p:nvSpPr>
-          <p:cNvPr id="146" name="Shape 146"/>
+          <p:cNvPr id="152" name="Shape 152"/>
           <p:cNvSpPr txBox="1"/>
           <p:nvPr>
             <p:ph type="ctrTitle"/>
@@ -9431,6 +10246,95 @@
         </p:nvSpPr>
         <p:spPr>
           <a:xfrm>
+            <a:off x="835600" y="1155100"/>
+            <a:ext cx="7191300" cy="607800"/>
+          </a:xfrm>
+          <a:prstGeom prst="rect">
+            <a:avLst/>
+          </a:prstGeom>
+        </p:spPr>
+        <p:txBody>
+          <a:bodyPr anchorCtr="0" anchor="b" bIns="91425" lIns="91425" rIns="91425" wrap="square" tIns="91425">
+            <a:noAutofit/>
+          </a:bodyPr>
+          <a:lstStyle/>
+          <a:p>
+            <a:pPr lvl="0" rtl="0">
+              <a:spcBef>
+                <a:spcPts val="0"/>
+              </a:spcBef>
+              <a:buNone/>
+            </a:pPr>
+            <a:r>
+              <a:rPr lang="en"/>
+              <a:t>Architecture</a:t>
+            </a:r>
+          </a:p>
+        </p:txBody>
+      </p:sp>
+      <p:pic>
+        <p:nvPicPr>
+          <p:cNvPr id="113" name="Shape 113"/>
+          <p:cNvPicPr preferRelativeResize="0"/>
+          <p:nvPr/>
+        </p:nvPicPr>
+        <p:blipFill>
+          <a:blip r:embed="rId3">
+            <a:alphaModFix/>
+          </a:blip>
+          <a:stretch>
+            <a:fillRect/>
+          </a:stretch>
+        </p:blipFill>
+        <p:spPr>
+          <a:xfrm>
+            <a:off x="2913925" y="1762900"/>
+            <a:ext cx="3316150" cy="2792550"/>
+          </a:xfrm>
+          <a:prstGeom prst="rect">
+            <a:avLst/>
+          </a:prstGeom>
+          <a:noFill/>
+          <a:ln>
+            <a:noFill/>
+          </a:ln>
+        </p:spPr>
+      </p:pic>
+    </p:spTree>
+  </p:cSld>
+  <p:clrMapOvr>
+    <a:masterClrMapping/>
+  </p:clrMapOvr>
+</p:sld>
+</file>
+
+<file path=ppt/slides/slide8.xml><?xml version="1.0" encoding="utf-8"?>
+<p:sld xmlns:a="http://schemas.openxmlformats.org/drawingml/2006/main" xmlns:r="http://schemas.openxmlformats.org/officeDocument/2006/relationships" xmlns:mc="http://schemas.openxmlformats.org/markup-compatibility/2006" xmlns:mv="urn:schemas-microsoft-com:mac:vml" xmlns:p="http://schemas.openxmlformats.org/presentationml/2006/main" xmlns:c="http://schemas.openxmlformats.org/drawingml/2006/chart" xmlns:dgm="http://schemas.openxmlformats.org/drawingml/2006/diagram" xmlns:o="urn:schemas-microsoft-com:office:office" xmlns:v="urn:schemas-microsoft-com:vml" xmlns:pvml="urn:schemas-microsoft-com:office:powerpoint" xmlns:com="http://schemas.openxmlformats.org/drawingml/2006/compatibility" xmlns:p14="http://schemas.microsoft.com/office/powerpoint/2010/main" xmlns:p15="http://schemas.microsoft.com/office/powerpoint/2012/main">
+  <p:cSld>
+    <p:spTree>
+      <p:nvGrpSpPr>
+        <p:cNvPr id="117" name="Shape 117"/>
+        <p:cNvGrpSpPr/>
+        <p:nvPr/>
+      </p:nvGrpSpPr>
+      <p:grpSpPr>
+        <a:xfrm>
+          <a:off x="0" y="0"/>
+          <a:ext cx="0" cy="0"/>
+          <a:chOff x="0" y="0"/>
+          <a:chExt cx="0" cy="0"/>
+        </a:xfrm>
+      </p:grpSpPr>
+      <p:sp>
+        <p:nvSpPr>
+          <p:cNvPr id="118" name="Shape 118"/>
+          <p:cNvSpPr txBox="1"/>
+          <p:nvPr>
+            <p:ph type="ctrTitle"/>
+          </p:nvPr>
+        </p:nvSpPr>
+        <p:spPr>
+          <a:xfrm>
             <a:off x="526125" y="1091925"/>
             <a:ext cx="3981300" cy="607800"/>
           </a:xfrm>
@@ -9459,7 +10363,7 @@
       </p:sp>
       <p:pic>
         <p:nvPicPr>
-          <p:cNvPr id="113" name="Shape 113"/>
+          <p:cNvPr id="119" name="Shape 119"/>
           <p:cNvPicPr preferRelativeResize="0"/>
           <p:nvPr/>
         </p:nvPicPr>
@@ -9487,7 +10391,7 @@
       </p:pic>
       <p:pic>
         <p:nvPicPr>
-          <p:cNvPr id="114" name="Shape 114"/>
+          <p:cNvPr id="120" name="Shape 120"/>
           <p:cNvPicPr preferRelativeResize="0"/>
           <p:nvPr/>
         </p:nvPicPr>
@@ -9521,12 +10425,12 @@
 </p:sld>
 </file>
 
-<file path=ppt/slides/slide8.xml><?xml version="1.0" encoding="utf-8"?>
+<file path=ppt/slides/slide9.xml><?xml version="1.0" encoding="utf-8"?>
 <p:sld xmlns:a="http://schemas.openxmlformats.org/drawingml/2006/main" xmlns:r="http://schemas.openxmlformats.org/officeDocument/2006/relationships" xmlns:mc="http://schemas.openxmlformats.org/markup-compatibility/2006" xmlns:mv="urn:schemas-microsoft-com:mac:vml" xmlns:p="http://schemas.openxmlformats.org/presentationml/2006/main" xmlns:c="http://schemas.openxmlformats.org/drawingml/2006/chart" xmlns:dgm="http://schemas.openxmlformats.org/drawingml/2006/diagram" xmlns:o="urn:schemas-microsoft-com:office:office" xmlns:v="urn:schemas-microsoft-com:vml" xmlns:pvml="urn:schemas-microsoft-com:office:powerpoint" xmlns:com="http://schemas.openxmlformats.org/drawingml/2006/compatibility" xmlns:p14="http://schemas.microsoft.com/office/powerpoint/2010/main" xmlns:p15="http://schemas.microsoft.com/office/powerpoint/2012/main">
   <p:cSld>
     <p:spTree>
       <p:nvGrpSpPr>
-        <p:cNvPr id="118" name="Shape 118"/>
+        <p:cNvPr id="124" name="Shape 124"/>
         <p:cNvGrpSpPr/>
         <p:nvPr/>
       </p:nvGrpSpPr>
@@ -9540,7 +10444,7 @@
       </p:grpSpPr>
       <p:pic>
         <p:nvPicPr>
-          <p:cNvPr id="119" name="Shape 119"/>
+          <p:cNvPr id="125" name="Shape 125"/>
           <p:cNvPicPr preferRelativeResize="0"/>
           <p:nvPr/>
         </p:nvPicPr>
@@ -9568,7 +10472,7 @@
       </p:pic>
       <p:pic>
         <p:nvPicPr>
-          <p:cNvPr id="120" name="Shape 120"/>
+          <p:cNvPr id="126" name="Shape 126"/>
           <p:cNvPicPr preferRelativeResize="0"/>
           <p:nvPr/>
         </p:nvPicPr>
@@ -9596,7 +10500,7 @@
       </p:pic>
       <p:sp>
         <p:nvSpPr>
-          <p:cNvPr id="121" name="Shape 121"/>
+          <p:cNvPr id="127" name="Shape 127"/>
           <p:cNvSpPr txBox="1"/>
           <p:nvPr>
             <p:ph type="ctrTitle"/>
@@ -9638,1151 +10542,7 @@
 </p:sld>
 </file>
 
-<file path=ppt/slides/slide9.xml><?xml version="1.0" encoding="utf-8"?>
-<p:sld xmlns:a="http://schemas.openxmlformats.org/drawingml/2006/main" xmlns:r="http://schemas.openxmlformats.org/officeDocument/2006/relationships" xmlns:mc="http://schemas.openxmlformats.org/markup-compatibility/2006" xmlns:mv="urn:schemas-microsoft-com:mac:vml" xmlns:p="http://schemas.openxmlformats.org/presentationml/2006/main" xmlns:c="http://schemas.openxmlformats.org/drawingml/2006/chart" xmlns:dgm="http://schemas.openxmlformats.org/drawingml/2006/diagram" xmlns:o="urn:schemas-microsoft-com:office:office" xmlns:v="urn:schemas-microsoft-com:vml" xmlns:pvml="urn:schemas-microsoft-com:office:powerpoint" xmlns:com="http://schemas.openxmlformats.org/drawingml/2006/compatibility" xmlns:p14="http://schemas.microsoft.com/office/powerpoint/2010/main" xmlns:p15="http://schemas.microsoft.com/office/powerpoint/2012/main">
-  <p:cSld>
-    <p:spTree>
-      <p:nvGrpSpPr>
-        <p:cNvPr id="125" name="Shape 125"/>
-        <p:cNvGrpSpPr/>
-        <p:nvPr/>
-      </p:nvGrpSpPr>
-      <p:grpSpPr>
-        <a:xfrm>
-          <a:off x="0" y="0"/>
-          <a:ext cx="0" cy="0"/>
-          <a:chOff x="0" y="0"/>
-          <a:chExt cx="0" cy="0"/>
-        </a:xfrm>
-      </p:grpSpPr>
-      <p:sp>
-        <p:nvSpPr>
-          <p:cNvPr id="126" name="Shape 126"/>
-          <p:cNvSpPr txBox="1"/>
-          <p:nvPr>
-            <p:ph type="ctrTitle"/>
-          </p:nvPr>
-        </p:nvSpPr>
-        <p:spPr>
-          <a:xfrm>
-            <a:off x="458550" y="1121025"/>
-            <a:ext cx="7191300" cy="575100"/>
-          </a:xfrm>
-          <a:prstGeom prst="rect">
-            <a:avLst/>
-          </a:prstGeom>
-        </p:spPr>
-        <p:txBody>
-          <a:bodyPr anchorCtr="0" anchor="b" bIns="91425" lIns="91425" rIns="91425" wrap="square" tIns="91425">
-            <a:noAutofit/>
-          </a:bodyPr>
-          <a:lstStyle/>
-          <a:p>
-            <a:pPr lvl="0">
-              <a:spcBef>
-                <a:spcPts val="0"/>
-              </a:spcBef>
-              <a:buNone/>
-            </a:pPr>
-            <a:r>
-              <a:rPr lang="en"/>
-              <a:t>Risk Analysis</a:t>
-            </a:r>
-          </a:p>
-        </p:txBody>
-      </p:sp>
-      <p:graphicFrame>
-        <p:nvGraphicFramePr>
-          <p:cNvPr id="127" name="Shape 127"/>
-          <p:cNvGraphicFramePr/>
-          <p:nvPr/>
-        </p:nvGraphicFramePr>
-        <p:xfrm>
-          <a:off x="960088" y="1623250"/>
-          <a:ext cx="3000000" cy="3000000"/>
-        </p:xfrm>
-        <a:graphic>
-          <a:graphicData uri="http://schemas.openxmlformats.org/drawingml/2006/table">
-            <a:tbl>
-              <a:tblPr>
-                <a:noFill/>
-                <a:tableStyleId>{78D8411D-7762-4E14-9128-7EBA16C0BA8E}</a:tableStyleId>
-              </a:tblPr>
-              <a:tblGrid>
-                <a:gridCol w="1376700"/>
-                <a:gridCol w="1418175"/>
-                <a:gridCol w="950975"/>
-                <a:gridCol w="812325"/>
-                <a:gridCol w="750325"/>
-                <a:gridCol w="1915325"/>
-              </a:tblGrid>
-              <a:tr h="354300">
-                <a:tc>
-                  <a:txBody>
-                    <a:bodyPr>
-                      <a:noAutofit/>
-                    </a:bodyPr>
-                    <a:lstStyle/>
-                    <a:p>
-                      <a:pPr lvl="0" rtl="0" algn="ctr">
-                        <a:spcBef>
-                          <a:spcPts val="0"/>
-                        </a:spcBef>
-                        <a:buClr>
-                          <a:schemeClr val="dk1"/>
-                        </a:buClr>
-                        <a:buSzPct val="100000"/>
-                        <a:buFont typeface="Arial"/>
-                        <a:buNone/>
-                      </a:pPr>
-                      <a:r>
-                        <a:rPr b="1" lang="en" sz="1100">
-                          <a:solidFill>
-                            <a:schemeClr val="dk1"/>
-                          </a:solidFill>
-                        </a:rPr>
-                        <a:t>Risk</a:t>
-                      </a:r>
-                    </a:p>
-                  </a:txBody>
-                  <a:tcPr marT="91425" marB="91425" marR="91425" marL="91425"/>
-                </a:tc>
-                <a:tc>
-                  <a:txBody>
-                    <a:bodyPr>
-                      <a:noAutofit/>
-                    </a:bodyPr>
-                    <a:lstStyle/>
-                    <a:p>
-                      <a:pPr lvl="0" rtl="0">
-                        <a:spcBef>
-                          <a:spcPts val="0"/>
-                        </a:spcBef>
-                        <a:buClr>
-                          <a:schemeClr val="dk1"/>
-                        </a:buClr>
-                        <a:buSzPct val="100000"/>
-                        <a:buFont typeface="Arial"/>
-                        <a:buNone/>
-                      </a:pPr>
-                      <a:r>
-                        <a:rPr b="1" lang="en" sz="1100">
-                          <a:solidFill>
-                            <a:schemeClr val="dk1"/>
-                          </a:solidFill>
-                        </a:rPr>
-                        <a:t>Consequences</a:t>
-                      </a:r>
-                    </a:p>
-                  </a:txBody>
-                  <a:tcPr marT="91425" marB="91425" marR="91425" marL="91425"/>
-                </a:tc>
-                <a:tc>
-                  <a:txBody>
-                    <a:bodyPr>
-                      <a:noAutofit/>
-                    </a:bodyPr>
-                    <a:lstStyle/>
-                    <a:p>
-                      <a:pPr lvl="0" rtl="0" algn="ctr">
-                        <a:spcBef>
-                          <a:spcPts val="0"/>
-                        </a:spcBef>
-                        <a:buNone/>
-                      </a:pPr>
-                      <a:r>
-                        <a:rPr b="1" lang="en" sz="1100"/>
-                        <a:t>Probability</a:t>
-                      </a:r>
-                    </a:p>
-                  </a:txBody>
-                  <a:tcPr marT="91425" marB="91425" marR="91425" marL="91425"/>
-                </a:tc>
-                <a:tc>
-                  <a:txBody>
-                    <a:bodyPr>
-                      <a:noAutofit/>
-                    </a:bodyPr>
-                    <a:lstStyle/>
-                    <a:p>
-                      <a:pPr lvl="0" rtl="0" algn="ctr">
-                        <a:spcBef>
-                          <a:spcPts val="0"/>
-                        </a:spcBef>
-                        <a:buNone/>
-                      </a:pPr>
-                      <a:r>
-                        <a:rPr b="1" lang="en" sz="1100"/>
-                        <a:t>Severity</a:t>
-                      </a:r>
-                    </a:p>
-                  </a:txBody>
-                  <a:tcPr marT="91425" marB="91425" marR="91425" marL="91425"/>
-                </a:tc>
-                <a:tc>
-                  <a:txBody>
-                    <a:bodyPr>
-                      <a:noAutofit/>
-                    </a:bodyPr>
-                    <a:lstStyle/>
-                    <a:p>
-                      <a:pPr lvl="0" rtl="0" algn="ctr">
-                        <a:spcBef>
-                          <a:spcPts val="0"/>
-                        </a:spcBef>
-                        <a:buNone/>
-                      </a:pPr>
-                      <a:r>
-                        <a:rPr b="1" lang="en" sz="1100"/>
-                        <a:t>Impact</a:t>
-                      </a:r>
-                    </a:p>
-                  </a:txBody>
-                  <a:tcPr marT="91425" marB="91425" marR="91425" marL="91425"/>
-                </a:tc>
-                <a:tc>
-                  <a:txBody>
-                    <a:bodyPr>
-                      <a:noAutofit/>
-                    </a:bodyPr>
-                    <a:lstStyle/>
-                    <a:p>
-                      <a:pPr lvl="0" rtl="0">
-                        <a:spcBef>
-                          <a:spcPts val="0"/>
-                        </a:spcBef>
-                        <a:buClr>
-                          <a:schemeClr val="dk1"/>
-                        </a:buClr>
-                        <a:buSzPct val="100000"/>
-                        <a:buFont typeface="Arial"/>
-                        <a:buNone/>
-                      </a:pPr>
-                      <a:r>
-                        <a:rPr b="1" lang="en" sz="1100">
-                          <a:solidFill>
-                            <a:schemeClr val="dk1"/>
-                          </a:solidFill>
-                        </a:rPr>
-                        <a:t>Mitigation Strategies</a:t>
-                      </a:r>
-                    </a:p>
-                  </a:txBody>
-                  <a:tcPr marT="91425" marB="91425" marR="91425" marL="91425"/>
-                </a:tc>
-              </a:tr>
-              <a:tr h="463275">
-                <a:tc>
-                  <a:txBody>
-                    <a:bodyPr>
-                      <a:noAutofit/>
-                    </a:bodyPr>
-                    <a:lstStyle/>
-                    <a:p>
-                      <a:pPr lvl="0" rtl="0">
-                        <a:spcBef>
-                          <a:spcPts val="0"/>
-                        </a:spcBef>
-                        <a:buClr>
-                          <a:schemeClr val="dk1"/>
-                        </a:buClr>
-                        <a:buSzPct val="100000"/>
-                        <a:buFont typeface="Arial"/>
-                        <a:buNone/>
-                      </a:pPr>
-                      <a:r>
-                        <a:rPr lang="en" sz="1100">
-                          <a:solidFill>
-                            <a:schemeClr val="dk1"/>
-                          </a:solidFill>
-                        </a:rPr>
-                        <a:t>Messages send to available TAs fails</a:t>
-                      </a:r>
-                    </a:p>
-                  </a:txBody>
-                  <a:tcPr marT="91425" marB="91425" marR="91425" marL="91425"/>
-                </a:tc>
-                <a:tc>
-                  <a:txBody>
-                    <a:bodyPr>
-                      <a:noAutofit/>
-                    </a:bodyPr>
-                    <a:lstStyle/>
-                    <a:p>
-                      <a:pPr lvl="0" rtl="0">
-                        <a:spcBef>
-                          <a:spcPts val="0"/>
-                        </a:spcBef>
-                        <a:buClr>
-                          <a:schemeClr val="dk1"/>
-                        </a:buClr>
-                        <a:buSzPct val="100000"/>
-                        <a:buFont typeface="Arial"/>
-                        <a:buNone/>
-                      </a:pPr>
-                      <a:r>
-                        <a:rPr lang="en" sz="1100">
-                          <a:solidFill>
-                            <a:schemeClr val="dk1"/>
-                          </a:solidFill>
-                        </a:rPr>
-                        <a:t>User can not inform others</a:t>
-                      </a:r>
-                    </a:p>
-                  </a:txBody>
-                  <a:tcPr marT="91425" marB="91425" marR="91425" marL="91425"/>
-                </a:tc>
-                <a:tc>
-                  <a:txBody>
-                    <a:bodyPr>
-                      <a:noAutofit/>
-                    </a:bodyPr>
-                    <a:lstStyle/>
-                    <a:p>
-                      <a:pPr lvl="0" rtl="0">
-                        <a:spcBef>
-                          <a:spcPts val="0"/>
-                        </a:spcBef>
-                        <a:buNone/>
-                      </a:pPr>
-                      <a:r>
-                        <a:rPr lang="en" sz="1100"/>
-                        <a:t>0.3</a:t>
-                      </a:r>
-                    </a:p>
-                  </a:txBody>
-                  <a:tcPr marT="91425" marB="91425" marR="91425" marL="91425"/>
-                </a:tc>
-                <a:tc>
-                  <a:txBody>
-                    <a:bodyPr>
-                      <a:noAutofit/>
-                    </a:bodyPr>
-                    <a:lstStyle/>
-                    <a:p>
-                      <a:pPr lvl="0" rtl="0">
-                        <a:spcBef>
-                          <a:spcPts val="0"/>
-                        </a:spcBef>
-                        <a:buNone/>
-                      </a:pPr>
-                      <a:r>
-                        <a:rPr lang="en" sz="1100"/>
-                        <a:t>10</a:t>
-                      </a:r>
-                    </a:p>
-                  </a:txBody>
-                  <a:tcPr marT="91425" marB="91425" marR="91425" marL="91425"/>
-                </a:tc>
-                <a:tc>
-                  <a:txBody>
-                    <a:bodyPr>
-                      <a:noAutofit/>
-                    </a:bodyPr>
-                    <a:lstStyle/>
-                    <a:p>
-                      <a:pPr lvl="0" rtl="0">
-                        <a:spcBef>
-                          <a:spcPts val="0"/>
-                        </a:spcBef>
-                        <a:buNone/>
-                      </a:pPr>
-                      <a:r>
-                        <a:rPr lang="en" sz="1100"/>
-                        <a:t>3</a:t>
-                      </a:r>
-                    </a:p>
-                  </a:txBody>
-                  <a:tcPr marT="91425" marB="91425" marR="91425" marL="91425"/>
-                </a:tc>
-                <a:tc>
-                  <a:txBody>
-                    <a:bodyPr>
-                      <a:noAutofit/>
-                    </a:bodyPr>
-                    <a:lstStyle/>
-                    <a:p>
-                      <a:pPr lvl="0" rtl="0">
-                        <a:spcBef>
-                          <a:spcPts val="0"/>
-                        </a:spcBef>
-                        <a:buClr>
-                          <a:schemeClr val="dk1"/>
-                        </a:buClr>
-                        <a:buSzPct val="100000"/>
-                        <a:buFont typeface="Arial"/>
-                        <a:buNone/>
-                      </a:pPr>
-                      <a:r>
-                        <a:rPr lang="en" sz="1100">
-                          <a:solidFill>
-                            <a:schemeClr val="dk1"/>
-                          </a:solidFill>
-                        </a:rPr>
-                        <a:t>Implement the system with high response</a:t>
-                      </a:r>
-                    </a:p>
-                  </a:txBody>
-                  <a:tcPr marT="91425" marB="91425" marR="91425" marL="91425"/>
-                </a:tc>
-              </a:tr>
-              <a:tr h="473700">
-                <a:tc>
-                  <a:txBody>
-                    <a:bodyPr>
-                      <a:noAutofit/>
-                    </a:bodyPr>
-                    <a:lstStyle/>
-                    <a:p>
-                      <a:pPr lvl="0" rtl="0">
-                        <a:spcBef>
-                          <a:spcPts val="0"/>
-                        </a:spcBef>
-                        <a:buClr>
-                          <a:schemeClr val="dk1"/>
-                        </a:buClr>
-                        <a:buSzPct val="100000"/>
-                        <a:buFont typeface="Arial"/>
-                        <a:buNone/>
-                      </a:pPr>
-                      <a:r>
-                        <a:rPr lang="en" sz="1100">
-                          <a:solidFill>
-                            <a:schemeClr val="dk1"/>
-                          </a:solidFill>
-                        </a:rPr>
-                        <a:t>Long response time in searching</a:t>
-                      </a:r>
-                    </a:p>
-                  </a:txBody>
-                  <a:tcPr marT="91425" marB="91425" marR="91425" marL="91425"/>
-                </a:tc>
-                <a:tc>
-                  <a:txBody>
-                    <a:bodyPr>
-                      <a:noAutofit/>
-                    </a:bodyPr>
-                    <a:lstStyle/>
-                    <a:p>
-                      <a:pPr lvl="0" rtl="0">
-                        <a:spcBef>
-                          <a:spcPts val="0"/>
-                        </a:spcBef>
-                        <a:buClr>
-                          <a:schemeClr val="dk1"/>
-                        </a:buClr>
-                        <a:buSzPct val="100000"/>
-                        <a:buFont typeface="Arial"/>
-                        <a:buNone/>
-                      </a:pPr>
-                      <a:r>
-                        <a:rPr lang="en" sz="1100">
-                          <a:solidFill>
-                            <a:schemeClr val="dk1"/>
-                          </a:solidFill>
-                        </a:rPr>
-                        <a:t>User can not get available TAs’ list</a:t>
-                      </a:r>
-                    </a:p>
-                  </a:txBody>
-                  <a:tcPr marT="91425" marB="91425" marR="91425" marL="91425"/>
-                </a:tc>
-                <a:tc>
-                  <a:txBody>
-                    <a:bodyPr>
-                      <a:noAutofit/>
-                    </a:bodyPr>
-                    <a:lstStyle/>
-                    <a:p>
-                      <a:pPr lvl="0" rtl="0">
-                        <a:spcBef>
-                          <a:spcPts val="0"/>
-                        </a:spcBef>
-                        <a:buNone/>
-                      </a:pPr>
-                      <a:r>
-                        <a:rPr lang="en" sz="1100"/>
-                        <a:t>0.2</a:t>
-                      </a:r>
-                    </a:p>
-                  </a:txBody>
-                  <a:tcPr marT="91425" marB="91425" marR="91425" marL="91425"/>
-                </a:tc>
-                <a:tc>
-                  <a:txBody>
-                    <a:bodyPr>
-                      <a:noAutofit/>
-                    </a:bodyPr>
-                    <a:lstStyle/>
-                    <a:p>
-                      <a:pPr lvl="0" rtl="0">
-                        <a:spcBef>
-                          <a:spcPts val="0"/>
-                        </a:spcBef>
-                        <a:buNone/>
-                      </a:pPr>
-                      <a:r>
-                        <a:rPr lang="en" sz="1100"/>
-                        <a:t>9</a:t>
-                      </a:r>
-                    </a:p>
-                  </a:txBody>
-                  <a:tcPr marT="91425" marB="91425" marR="91425" marL="91425"/>
-                </a:tc>
-                <a:tc>
-                  <a:txBody>
-                    <a:bodyPr>
-                      <a:noAutofit/>
-                    </a:bodyPr>
-                    <a:lstStyle/>
-                    <a:p>
-                      <a:pPr lvl="0" rtl="0">
-                        <a:spcBef>
-                          <a:spcPts val="0"/>
-                        </a:spcBef>
-                        <a:buNone/>
-                      </a:pPr>
-                      <a:r>
-                        <a:rPr lang="en" sz="1100"/>
-                        <a:t>1.8</a:t>
-                      </a:r>
-                    </a:p>
-                  </a:txBody>
-                  <a:tcPr marT="91425" marB="91425" marR="91425" marL="91425"/>
-                </a:tc>
-                <a:tc>
-                  <a:txBody>
-                    <a:bodyPr>
-                      <a:noAutofit/>
-                    </a:bodyPr>
-                    <a:lstStyle/>
-                    <a:p>
-                      <a:pPr lvl="0" rtl="0">
-                        <a:spcBef>
-                          <a:spcPts val="0"/>
-                        </a:spcBef>
-                        <a:buClr>
-                          <a:schemeClr val="dk1"/>
-                        </a:buClr>
-                        <a:buSzPct val="100000"/>
-                        <a:buFont typeface="Arial"/>
-                        <a:buNone/>
-                      </a:pPr>
-                      <a:r>
-                        <a:rPr lang="en" sz="1100">
-                          <a:solidFill>
-                            <a:schemeClr val="dk1"/>
-                          </a:solidFill>
-                        </a:rPr>
-                        <a:t>Make easy database system, and operate fast</a:t>
-                      </a:r>
-                    </a:p>
-                  </a:txBody>
-                  <a:tcPr marT="91425" marB="91425" marR="91425" marL="91425"/>
-                </a:tc>
-              </a:tr>
-              <a:tr h="795750">
-                <a:tc>
-                  <a:txBody>
-                    <a:bodyPr>
-                      <a:noAutofit/>
-                    </a:bodyPr>
-                    <a:lstStyle/>
-                    <a:p>
-                      <a:pPr lvl="0" rtl="0">
-                        <a:spcBef>
-                          <a:spcPts val="0"/>
-                        </a:spcBef>
-                        <a:buClr>
-                          <a:schemeClr val="dk1"/>
-                        </a:buClr>
-                        <a:buSzPct val="100000"/>
-                        <a:buFont typeface="Arial"/>
-                        <a:buNone/>
-                      </a:pPr>
-                      <a:r>
-                        <a:rPr lang="en" sz="1100">
-                          <a:solidFill>
-                            <a:schemeClr val="dk1"/>
-                          </a:solidFill>
-                        </a:rPr>
-                        <a:t>Failed to inform the professor when no available TA is found</a:t>
-                      </a:r>
-                    </a:p>
-                  </a:txBody>
-                  <a:tcPr marT="91425" marB="91425" marR="91425" marL="91425"/>
-                </a:tc>
-                <a:tc>
-                  <a:txBody>
-                    <a:bodyPr>
-                      <a:noAutofit/>
-                    </a:bodyPr>
-                    <a:lstStyle/>
-                    <a:p>
-                      <a:pPr lvl="0" rtl="0">
-                        <a:spcBef>
-                          <a:spcPts val="0"/>
-                        </a:spcBef>
-                        <a:buClr>
-                          <a:schemeClr val="dk1"/>
-                        </a:buClr>
-                        <a:buSzPct val="100000"/>
-                        <a:buFont typeface="Arial"/>
-                        <a:buNone/>
-                      </a:pPr>
-                      <a:r>
-                        <a:rPr lang="en" sz="1100">
-                          <a:solidFill>
-                            <a:schemeClr val="dk1"/>
-                          </a:solidFill>
-                        </a:rPr>
-                        <a:t>There will be no TA in the lab</a:t>
-                      </a:r>
-                    </a:p>
-                  </a:txBody>
-                  <a:tcPr marT="91425" marB="91425" marR="91425" marL="91425"/>
-                </a:tc>
-                <a:tc>
-                  <a:txBody>
-                    <a:bodyPr>
-                      <a:noAutofit/>
-                    </a:bodyPr>
-                    <a:lstStyle/>
-                    <a:p>
-                      <a:pPr lvl="0" rtl="0">
-                        <a:spcBef>
-                          <a:spcPts val="0"/>
-                        </a:spcBef>
-                        <a:buNone/>
-                      </a:pPr>
-                      <a:r>
-                        <a:rPr lang="en" sz="1100"/>
-                        <a:t>0.1</a:t>
-                      </a:r>
-                    </a:p>
-                  </a:txBody>
-                  <a:tcPr marT="91425" marB="91425" marR="91425" marL="91425"/>
-                </a:tc>
-                <a:tc>
-                  <a:txBody>
-                    <a:bodyPr>
-                      <a:noAutofit/>
-                    </a:bodyPr>
-                    <a:lstStyle/>
-                    <a:p>
-                      <a:pPr lvl="0" rtl="0">
-                        <a:spcBef>
-                          <a:spcPts val="0"/>
-                        </a:spcBef>
-                        <a:buNone/>
-                      </a:pPr>
-                      <a:r>
-                        <a:rPr lang="en" sz="1100"/>
-                        <a:t>10</a:t>
-                      </a:r>
-                    </a:p>
-                  </a:txBody>
-                  <a:tcPr marT="91425" marB="91425" marR="91425" marL="91425"/>
-                </a:tc>
-                <a:tc>
-                  <a:txBody>
-                    <a:bodyPr>
-                      <a:noAutofit/>
-                    </a:bodyPr>
-                    <a:lstStyle/>
-                    <a:p>
-                      <a:pPr lvl="0" rtl="0">
-                        <a:spcBef>
-                          <a:spcPts val="0"/>
-                        </a:spcBef>
-                        <a:buNone/>
-                      </a:pPr>
-                      <a:r>
-                        <a:rPr lang="en" sz="1100"/>
-                        <a:t>1</a:t>
-                      </a:r>
-                    </a:p>
-                  </a:txBody>
-                  <a:tcPr marT="91425" marB="91425" marR="91425" marL="91425"/>
-                </a:tc>
-                <a:tc>
-                  <a:txBody>
-                    <a:bodyPr>
-                      <a:noAutofit/>
-                    </a:bodyPr>
-                    <a:lstStyle/>
-                    <a:p>
-                      <a:pPr lvl="0" rtl="0">
-                        <a:spcBef>
-                          <a:spcPts val="0"/>
-                        </a:spcBef>
-                        <a:buClr>
-                          <a:schemeClr val="dk1"/>
-                        </a:buClr>
-                        <a:buSzPct val="100000"/>
-                        <a:buFont typeface="Arial"/>
-                        <a:buNone/>
-                      </a:pPr>
-                      <a:r>
-                        <a:rPr lang="en" sz="1100">
-                          <a:solidFill>
-                            <a:schemeClr val="dk1"/>
-                          </a:solidFill>
-                        </a:rPr>
-                        <a:t>Have an acknowledgement to tell if the professor has been informed </a:t>
-                      </a:r>
-                    </a:p>
-                  </a:txBody>
-                  <a:tcPr marT="91425" marB="91425" marR="91425" marL="91425"/>
-                </a:tc>
-              </a:tr>
-              <a:tr h="410525">
-                <a:tc>
-                  <a:txBody>
-                    <a:bodyPr>
-                      <a:noAutofit/>
-                    </a:bodyPr>
-                    <a:lstStyle/>
-                    <a:p>
-                      <a:pPr lvl="0" rtl="0">
-                        <a:spcBef>
-                          <a:spcPts val="0"/>
-                        </a:spcBef>
-                        <a:buClr>
-                          <a:schemeClr val="dk1"/>
-                        </a:buClr>
-                        <a:buSzPct val="100000"/>
-                        <a:buFont typeface="Arial"/>
-                        <a:buNone/>
-                      </a:pPr>
-                      <a:r>
-                        <a:rPr lang="en" sz="1100">
-                          <a:solidFill>
-                            <a:schemeClr val="dk1"/>
-                          </a:solidFill>
-                        </a:rPr>
-                        <a:t>Long response time in sending messages</a:t>
-                      </a:r>
-                    </a:p>
-                  </a:txBody>
-                  <a:tcPr marT="91425" marB="91425" marR="91425" marL="91425"/>
-                </a:tc>
-                <a:tc>
-                  <a:txBody>
-                    <a:bodyPr>
-                      <a:noAutofit/>
-                    </a:bodyPr>
-                    <a:lstStyle/>
-                    <a:p>
-                      <a:pPr lvl="0" rtl="0">
-                        <a:spcBef>
-                          <a:spcPts val="0"/>
-                        </a:spcBef>
-                        <a:buClr>
-                          <a:schemeClr val="dk1"/>
-                        </a:buClr>
-                        <a:buSzPct val="100000"/>
-                        <a:buFont typeface="Arial"/>
-                        <a:buNone/>
-                      </a:pPr>
-                      <a:r>
-                        <a:rPr lang="en" sz="1100">
-                          <a:solidFill>
-                            <a:schemeClr val="dk1"/>
-                          </a:solidFill>
-                        </a:rPr>
-                        <a:t>The communication process will be long</a:t>
-                      </a:r>
-                    </a:p>
-                  </a:txBody>
-                  <a:tcPr marT="91425" marB="91425" marR="91425" marL="91425"/>
-                </a:tc>
-                <a:tc>
-                  <a:txBody>
-                    <a:bodyPr>
-                      <a:noAutofit/>
-                    </a:bodyPr>
-                    <a:lstStyle/>
-                    <a:p>
-                      <a:pPr lvl="0" rtl="0">
-                        <a:spcBef>
-                          <a:spcPts val="0"/>
-                        </a:spcBef>
-                        <a:buNone/>
-                      </a:pPr>
-                      <a:r>
-                        <a:rPr lang="en" sz="1100"/>
-                        <a:t>0.4</a:t>
-                      </a:r>
-                    </a:p>
-                  </a:txBody>
-                  <a:tcPr marT="91425" marB="91425" marR="91425" marL="91425"/>
-                </a:tc>
-                <a:tc>
-                  <a:txBody>
-                    <a:bodyPr>
-                      <a:noAutofit/>
-                    </a:bodyPr>
-                    <a:lstStyle/>
-                    <a:p>
-                      <a:pPr lvl="0" rtl="0">
-                        <a:spcBef>
-                          <a:spcPts val="0"/>
-                        </a:spcBef>
-                        <a:buNone/>
-                      </a:pPr>
-                      <a:r>
-                        <a:rPr lang="en" sz="1100"/>
-                        <a:t>2</a:t>
-                      </a:r>
-                    </a:p>
-                  </a:txBody>
-                  <a:tcPr marT="91425" marB="91425" marR="91425" marL="91425"/>
-                </a:tc>
-                <a:tc>
-                  <a:txBody>
-                    <a:bodyPr>
-                      <a:noAutofit/>
-                    </a:bodyPr>
-                    <a:lstStyle/>
-                    <a:p>
-                      <a:pPr lvl="0" rtl="0">
-                        <a:spcBef>
-                          <a:spcPts val="0"/>
-                        </a:spcBef>
-                        <a:buNone/>
-                      </a:pPr>
-                      <a:r>
-                        <a:rPr lang="en" sz="1100"/>
-                        <a:t>0.8</a:t>
-                      </a:r>
-                    </a:p>
-                  </a:txBody>
-                  <a:tcPr marT="91425" marB="91425" marR="91425" marL="91425"/>
-                </a:tc>
-                <a:tc>
-                  <a:txBody>
-                    <a:bodyPr>
-                      <a:noAutofit/>
-                    </a:bodyPr>
-                    <a:lstStyle/>
-                    <a:p>
-                      <a:pPr lvl="0" rtl="0">
-                        <a:spcBef>
-                          <a:spcPts val="0"/>
-                        </a:spcBef>
-                        <a:buClr>
-                          <a:schemeClr val="dk1"/>
-                        </a:buClr>
-                        <a:buSzPct val="100000"/>
-                        <a:buFont typeface="Arial"/>
-                        <a:buNone/>
-                      </a:pPr>
-                      <a:r>
-                        <a:rPr lang="en" sz="1100">
-                          <a:solidFill>
-                            <a:schemeClr val="dk1"/>
-                          </a:solidFill>
-                        </a:rPr>
-                        <a:t>Implement easy and simple system which sends messages quickly</a:t>
-                      </a:r>
-                    </a:p>
-                  </a:txBody>
-                  <a:tcPr marT="91425" marB="91425" marR="91425" marL="91425"/>
-                </a:tc>
-              </a:tr>
-            </a:tbl>
-          </a:graphicData>
-        </a:graphic>
-      </p:graphicFrame>
-    </p:spTree>
-  </p:cSld>
-  <p:clrMapOvr>
-    <a:masterClrMapping/>
-  </p:clrMapOvr>
-</p:sld>
-</file>
-
 <file path=ppt/theme/theme1.xml><?xml version="1.0" encoding="utf-8"?>
-<a:theme xmlns:a="http://schemas.openxmlformats.org/drawingml/2006/main" xmlns:r="http://schemas.openxmlformats.org/officeDocument/2006/relationships" name="blueppt_v2a">
-  <a:themeElements>
-    <a:clrScheme name="default">
-      <a:dk1>
-        <a:srgbClr val="414141"/>
-      </a:dk1>
-      <a:lt1>
-        <a:srgbClr val="FFFFFF"/>
-      </a:lt1>
-      <a:dk2>
-        <a:srgbClr val="A80C36"/>
-      </a:dk2>
-      <a:lt2>
-        <a:srgbClr val="F0AA24"/>
-      </a:lt2>
-      <a:accent1>
-        <a:srgbClr val="F37421"/>
-      </a:accent1>
-      <a:accent2>
-        <a:srgbClr val="8BAEA2"/>
-      </a:accent2>
-      <a:accent3>
-        <a:srgbClr val="FFFFFF"/>
-      </a:accent3>
-      <a:accent4>
-        <a:srgbClr val="F37421"/>
-      </a:accent4>
-      <a:accent5>
-        <a:srgbClr val="8BAEA2"/>
-      </a:accent5>
-      <a:accent6>
-        <a:srgbClr val="FFFFFF"/>
-      </a:accent6>
-      <a:hlink>
-        <a:srgbClr val="A80C36"/>
-      </a:hlink>
-      <a:folHlink>
-        <a:srgbClr val="737A35"/>
-      </a:folHlink>
-    </a:clrScheme>
-    <a:fontScheme name="Office">
-      <a:majorFont>
-        <a:latin typeface="Arial"/>
-        <a:ea typeface=""/>
-        <a:cs typeface=""/>
-        <a:font script="Jpan" typeface="ＭＳ Ｐゴシック"/>
-        <a:font script="Hang" typeface="맑은 고딕"/>
-        <a:font script="Hans" typeface="宋体"/>
-        <a:font script="Hant" typeface="新細明體"/>
-        <a:font script="Arab" typeface="Times New Roman"/>
-        <a:font script="Hebr" typeface="Times New Roman"/>
-        <a:font script="Thai" typeface="Angsana New"/>
-        <a:font script="Ethi" typeface="Nyala"/>
-        <a:font script="Beng" typeface="Vrinda"/>
-        <a:font script="Gujr" typeface="Shruti"/>
-        <a:font script="Khmr" typeface="MoolBoran"/>
-        <a:font script="Knda" typeface="Tunga"/>
-        <a:font script="Guru" typeface="Raavi"/>
-        <a:font script="Cans" typeface="Euphemia"/>
-        <a:font script="Cher" typeface="Plantagenet Cherokee"/>
-        <a:font script="Yiii" typeface="Microsoft Yi Baiti"/>
-        <a:font script="Tibt" typeface="Microsoft Himalaya"/>
-        <a:font script="Thaa" typeface="MV Boli"/>
-        <a:font script="Deva" typeface="Mangal"/>
-        <a:font script="Telu" typeface="Gautami"/>
-        <a:font script="Taml" typeface="Latha"/>
-        <a:font script="Syrc" typeface="Estrangelo Edessa"/>
-        <a:font script="Orya" typeface="Kalinga"/>
-        <a:font script="Mlym" typeface="Kartika"/>
-        <a:font script="Laoo" typeface="DokChampa"/>
-        <a:font script="Sinh" typeface="Iskoola Pota"/>
-        <a:font script="Mong" typeface="Mongolian Baiti"/>
-        <a:font script="Viet" typeface="Times New Roman"/>
-        <a:font script="Uigh" typeface="Microsoft Uighur"/>
-        <a:font script="Geor" typeface="Sylfaen"/>
-      </a:majorFont>
-      <a:minorFont>
-        <a:latin typeface="Arial"/>
-        <a:ea typeface=""/>
-        <a:cs typeface=""/>
-        <a:font script="Jpan" typeface="ＭＳ Ｐゴシック"/>
-        <a:font script="Hang" typeface="맑은 고딕"/>
-        <a:font script="Hans" typeface="宋体"/>
-        <a:font script="Hant" typeface="新細明體"/>
-        <a:font script="Arab" typeface="Arial"/>
-        <a:font script="Hebr" typeface="Arial"/>
-        <a:font script="Thai" typeface="Cordia New"/>
-        <a:font script="Ethi" typeface="Nyala"/>
-        <a:font script="Beng" typeface="Vrinda"/>
-        <a:font script="Gujr" typeface="Shruti"/>
-        <a:font script="Khmr" typeface="DaunPenh"/>
-        <a:font script="Knda" typeface="Tunga"/>
-        <a:font script="Guru" typeface="Raavi"/>
-        <a:font script="Cans" typeface="Euphemia"/>
-        <a:font script="Cher" typeface="Plantagenet Cherokee"/>
-        <a:font script="Yiii" typeface="Microsoft Yi Baiti"/>
-        <a:font script="Tibt" typeface="Microsoft Himalaya"/>
-        <a:font script="Thaa" typeface="MV Boli"/>
-        <a:font script="Deva" typeface="Mangal"/>
-        <a:font script="Telu" typeface="Gautami"/>
-        <a:font script="Taml" typeface="Latha"/>
-        <a:font script="Syrc" typeface="Estrangelo Edessa"/>
-        <a:font script="Orya" typeface="Kalinga"/>
-        <a:font script="Mlym" typeface="Kartika"/>
-        <a:font script="Laoo" typeface="DokChampa"/>
-        <a:font script="Sinh" typeface="Iskoola Pota"/>
-        <a:font script="Mong" typeface="Mongolian Baiti"/>
-        <a:font script="Viet" typeface="Arial"/>
-        <a:font script="Uigh" typeface="Microsoft Uighur"/>
-        <a:font script="Geor" typeface="Sylfaen"/>
-      </a:minorFont>
-    </a:fontScheme>
-    <a:fmtScheme name="Office">
-      <a:fillStyleLst>
-        <a:solidFill>
-          <a:schemeClr val="phClr"/>
-        </a:solidFill>
-        <a:gradFill rotWithShape="1">
-          <a:gsLst>
-            <a:gs pos="0">
-              <a:schemeClr val="phClr">
-                <a:tint val="50000"/>
-                <a:satMod val="300000"/>
-              </a:schemeClr>
-            </a:gs>
-            <a:gs pos="35000">
-              <a:schemeClr val="phClr">
-                <a:tint val="37000"/>
-                <a:satMod val="300000"/>
-              </a:schemeClr>
-            </a:gs>
-            <a:gs pos="100000">
-              <a:schemeClr val="phClr">
-                <a:tint val="15000"/>
-                <a:satMod val="350000"/>
-              </a:schemeClr>
-            </a:gs>
-          </a:gsLst>
-          <a:lin ang="16200000" scaled="1"/>
-        </a:gradFill>
-        <a:gradFill rotWithShape="1">
-          <a:gsLst>
-            <a:gs pos="0">
-              <a:schemeClr val="phClr">
-                <a:tint val="100000"/>
-                <a:shade val="100000"/>
-                <a:satMod val="130000"/>
-              </a:schemeClr>
-            </a:gs>
-            <a:gs pos="100000">
-              <a:schemeClr val="phClr">
-                <a:tint val="50000"/>
-                <a:shade val="100000"/>
-                <a:satMod val="350000"/>
-              </a:schemeClr>
-            </a:gs>
-          </a:gsLst>
-          <a:lin ang="16200000" scaled="0"/>
-        </a:gradFill>
-      </a:fillStyleLst>
-      <a:lnStyleLst>
-        <a:ln w="9525" cap="flat" cmpd="sng" algn="ctr">
-          <a:solidFill>
-            <a:schemeClr val="phClr">
-              <a:shade val="95000"/>
-              <a:satMod val="105000"/>
-            </a:schemeClr>
-          </a:solidFill>
-          <a:prstDash val="solid"/>
-        </a:ln>
-        <a:ln w="25400" cap="flat" cmpd="sng" algn="ctr">
-          <a:solidFill>
-            <a:schemeClr val="phClr"/>
-          </a:solidFill>
-          <a:prstDash val="solid"/>
-        </a:ln>
-        <a:ln w="38100" cap="flat" cmpd="sng" algn="ctr">
-          <a:solidFill>
-            <a:schemeClr val="phClr"/>
-          </a:solidFill>
-          <a:prstDash val="solid"/>
-        </a:ln>
-      </a:lnStyleLst>
-      <a:effectStyleLst>
-        <a:effectStyle>
-          <a:effectLst>
-            <a:outerShdw blurRad="40000" dist="20000" dir="5400000" rotWithShape="0">
-              <a:srgbClr val="000000">
-                <a:alpha val="38000"/>
-              </a:srgbClr>
-            </a:outerShdw>
-          </a:effectLst>
-        </a:effectStyle>
-        <a:effectStyle>
-          <a:effectLst>
-            <a:outerShdw blurRad="40000" dist="23000" dir="5400000" rotWithShape="0">
-              <a:srgbClr val="000000">
-                <a:alpha val="35000"/>
-              </a:srgbClr>
-            </a:outerShdw>
-          </a:effectLst>
-        </a:effectStyle>
-        <a:effectStyle>
-          <a:effectLst>
-            <a:outerShdw blurRad="40000" dist="23000" dir="5400000" rotWithShape="0">
-              <a:srgbClr val="000000">
-                <a:alpha val="35000"/>
-              </a:srgbClr>
-            </a:outerShdw>
-          </a:effectLst>
-          <a:scene3d>
-            <a:camera prst="orthographicFront">
-              <a:rot lat="0" lon="0" rev="0"/>
-            </a:camera>
-            <a:lightRig rig="threePt" dir="t">
-              <a:rot lat="0" lon="0" rev="1200000"/>
-            </a:lightRig>
-          </a:scene3d>
-          <a:sp3d>
-            <a:bevelT w="63500" h="25400"/>
-          </a:sp3d>
-        </a:effectStyle>
-      </a:effectStyleLst>
-      <a:bgFillStyleLst>
-        <a:solidFill>
-          <a:schemeClr val="phClr"/>
-        </a:solidFill>
-        <a:gradFill rotWithShape="1">
-          <a:gsLst>
-            <a:gs pos="0">
-              <a:schemeClr val="phClr">
-                <a:tint val="40000"/>
-                <a:satMod val="350000"/>
-              </a:schemeClr>
-            </a:gs>
-            <a:gs pos="40000">
-              <a:schemeClr val="phClr">
-                <a:tint val="45000"/>
-                <a:shade val="99000"/>
-                <a:satMod val="350000"/>
-              </a:schemeClr>
-            </a:gs>
-            <a:gs pos="100000">
-              <a:schemeClr val="phClr">
-                <a:shade val="20000"/>
-                <a:satMod val="255000"/>
-              </a:schemeClr>
-            </a:gs>
-          </a:gsLst>
-          <a:path path="circle">
-            <a:fillToRect l="50000" t="-80000" r="50000" b="180000"/>
-          </a:path>
-        </a:gradFill>
-        <a:gradFill rotWithShape="1">
-          <a:gsLst>
-            <a:gs pos="0">
-              <a:schemeClr val="phClr">
-                <a:tint val="80000"/>
-                <a:satMod val="300000"/>
-              </a:schemeClr>
-            </a:gs>
-            <a:gs pos="100000">
-              <a:schemeClr val="phClr">
-                <a:shade val="30000"/>
-                <a:satMod val="200000"/>
-              </a:schemeClr>
-            </a:gs>
-          </a:gsLst>
-          <a:path path="circle">
-            <a:fillToRect l="50000" t="50000" r="50000" b="50000"/>
-          </a:path>
-        </a:gradFill>
-      </a:bgFillStyleLst>
-    </a:fmtScheme>
-  </a:themeElements>
-</a:theme>
-</file>
-
-<file path=ppt/theme/theme2.xml><?xml version="1.0" encoding="utf-8"?>
 <a:theme xmlns:a="http://schemas.openxmlformats.org/drawingml/2006/main" xmlns:r="http://schemas.openxmlformats.org/officeDocument/2006/relationships" name="Simple Light">
   <a:themeElements>
     <a:clrScheme name="Simple Light">
@@ -11061,7 +10821,7 @@
 </a:theme>
 </file>
 
-<file path=ppt/theme/theme3.xml><?xml version="1.0" encoding="utf-8"?>
+<file path=ppt/theme/theme2.xml><?xml version="1.0" encoding="utf-8"?>
 <a:theme xmlns:a="http://schemas.openxmlformats.org/drawingml/2006/main" xmlns:r="http://schemas.openxmlformats.org/officeDocument/2006/relationships" name="Custom Theme">
   <a:themeElements>
     <a:clrScheme name="Default">
@@ -11338,4 +11098,283 @@
     </a:fmtScheme>
   </a:themeElements>
 </a:theme>
+</file>
+
+<file path=ppt/theme/theme3.xml><?xml version="1.0" encoding="utf-8"?>
+<a:theme xmlns:a="http://schemas.openxmlformats.org/drawingml/2006/main" xmlns:r="http://schemas.openxmlformats.org/officeDocument/2006/relationships" name="blueppt_v2a">
+  <a:themeElements>
+    <a:clrScheme name="default">
+      <a:dk1>
+        <a:srgbClr val="414141"/>
+      </a:dk1>
+      <a:lt1>
+        <a:srgbClr val="FFFFFF"/>
+      </a:lt1>
+      <a:dk2>
+        <a:srgbClr val="A80C36"/>
+      </a:dk2>
+      <a:lt2>
+        <a:srgbClr val="F0AA24"/>
+      </a:lt2>
+      <a:accent1>
+        <a:srgbClr val="F37421"/>
+      </a:accent1>
+      <a:accent2>
+        <a:srgbClr val="8BAEA2"/>
+      </a:accent2>
+      <a:accent3>
+        <a:srgbClr val="FFFFFF"/>
+      </a:accent3>
+      <a:accent4>
+        <a:srgbClr val="F37421"/>
+      </a:accent4>
+      <a:accent5>
+        <a:srgbClr val="8BAEA2"/>
+      </a:accent5>
+      <a:accent6>
+        <a:srgbClr val="FFFFFF"/>
+      </a:accent6>
+      <a:hlink>
+        <a:srgbClr val="A80C36"/>
+      </a:hlink>
+      <a:folHlink>
+        <a:srgbClr val="737A35"/>
+      </a:folHlink>
+    </a:clrScheme>
+    <a:fontScheme name="Office">
+      <a:majorFont>
+        <a:latin typeface="Arial"/>
+        <a:ea typeface=""/>
+        <a:cs typeface=""/>
+        <a:font script="Jpan" typeface="ＭＳ Ｐゴシック"/>
+        <a:font script="Hang" typeface="맑은 고딕"/>
+        <a:font script="Hans" typeface="宋体"/>
+        <a:font script="Hant" typeface="新細明體"/>
+        <a:font script="Arab" typeface="Times New Roman"/>
+        <a:font script="Hebr" typeface="Times New Roman"/>
+        <a:font script="Thai" typeface="Angsana New"/>
+        <a:font script="Ethi" typeface="Nyala"/>
+        <a:font script="Beng" typeface="Vrinda"/>
+        <a:font script="Gujr" typeface="Shruti"/>
+        <a:font script="Khmr" typeface="MoolBoran"/>
+        <a:font script="Knda" typeface="Tunga"/>
+        <a:font script="Guru" typeface="Raavi"/>
+        <a:font script="Cans" typeface="Euphemia"/>
+        <a:font script="Cher" typeface="Plantagenet Cherokee"/>
+        <a:font script="Yiii" typeface="Microsoft Yi Baiti"/>
+        <a:font script="Tibt" typeface="Microsoft Himalaya"/>
+        <a:font script="Thaa" typeface="MV Boli"/>
+        <a:font script="Deva" typeface="Mangal"/>
+        <a:font script="Telu" typeface="Gautami"/>
+        <a:font script="Taml" typeface="Latha"/>
+        <a:font script="Syrc" typeface="Estrangelo Edessa"/>
+        <a:font script="Orya" typeface="Kalinga"/>
+        <a:font script="Mlym" typeface="Kartika"/>
+        <a:font script="Laoo" typeface="DokChampa"/>
+        <a:font script="Sinh" typeface="Iskoola Pota"/>
+        <a:font script="Mong" typeface="Mongolian Baiti"/>
+        <a:font script="Viet" typeface="Times New Roman"/>
+        <a:font script="Uigh" typeface="Microsoft Uighur"/>
+        <a:font script="Geor" typeface="Sylfaen"/>
+      </a:majorFont>
+      <a:minorFont>
+        <a:latin typeface="Arial"/>
+        <a:ea typeface=""/>
+        <a:cs typeface=""/>
+        <a:font script="Jpan" typeface="ＭＳ Ｐゴシック"/>
+        <a:font script="Hang" typeface="맑은 고딕"/>
+        <a:font script="Hans" typeface="宋体"/>
+        <a:font script="Hant" typeface="新細明體"/>
+        <a:font script="Arab" typeface="Arial"/>
+        <a:font script="Hebr" typeface="Arial"/>
+        <a:font script="Thai" typeface="Cordia New"/>
+        <a:font script="Ethi" typeface="Nyala"/>
+        <a:font script="Beng" typeface="Vrinda"/>
+        <a:font script="Gujr" typeface="Shruti"/>
+        <a:font script="Khmr" typeface="DaunPenh"/>
+        <a:font script="Knda" typeface="Tunga"/>
+        <a:font script="Guru" typeface="Raavi"/>
+        <a:font script="Cans" typeface="Euphemia"/>
+        <a:font script="Cher" typeface="Plantagenet Cherokee"/>
+        <a:font script="Yiii" typeface="Microsoft Yi Baiti"/>
+        <a:font script="Tibt" typeface="Microsoft Himalaya"/>
+        <a:font script="Thaa" typeface="MV Boli"/>
+        <a:font script="Deva" typeface="Mangal"/>
+        <a:font script="Telu" typeface="Gautami"/>
+        <a:font script="Taml" typeface="Latha"/>
+        <a:font script="Syrc" typeface="Estrangelo Edessa"/>
+        <a:font script="Orya" typeface="Kalinga"/>
+        <a:font script="Mlym" typeface="Kartika"/>
+        <a:font script="Laoo" typeface="DokChampa"/>
+        <a:font script="Sinh" typeface="Iskoola Pota"/>
+        <a:font script="Mong" typeface="Mongolian Baiti"/>
+        <a:font script="Viet" typeface="Arial"/>
+        <a:font script="Uigh" typeface="Microsoft Uighur"/>
+        <a:font script="Geor" typeface="Sylfaen"/>
+      </a:minorFont>
+    </a:fontScheme>
+    <a:fmtScheme name="Office">
+      <a:fillStyleLst>
+        <a:solidFill>
+          <a:schemeClr val="phClr"/>
+        </a:solidFill>
+        <a:gradFill rotWithShape="1">
+          <a:gsLst>
+            <a:gs pos="0">
+              <a:schemeClr val="phClr">
+                <a:tint val="50000"/>
+                <a:satMod val="300000"/>
+              </a:schemeClr>
+            </a:gs>
+            <a:gs pos="35000">
+              <a:schemeClr val="phClr">
+                <a:tint val="37000"/>
+                <a:satMod val="300000"/>
+              </a:schemeClr>
+            </a:gs>
+            <a:gs pos="100000">
+              <a:schemeClr val="phClr">
+                <a:tint val="15000"/>
+                <a:satMod val="350000"/>
+              </a:schemeClr>
+            </a:gs>
+          </a:gsLst>
+          <a:lin ang="16200000" scaled="1"/>
+        </a:gradFill>
+        <a:gradFill rotWithShape="1">
+          <a:gsLst>
+            <a:gs pos="0">
+              <a:schemeClr val="phClr">
+                <a:tint val="100000"/>
+                <a:shade val="100000"/>
+                <a:satMod val="130000"/>
+              </a:schemeClr>
+            </a:gs>
+            <a:gs pos="100000">
+              <a:schemeClr val="phClr">
+                <a:tint val="50000"/>
+                <a:shade val="100000"/>
+                <a:satMod val="350000"/>
+              </a:schemeClr>
+            </a:gs>
+          </a:gsLst>
+          <a:lin ang="16200000" scaled="0"/>
+        </a:gradFill>
+      </a:fillStyleLst>
+      <a:lnStyleLst>
+        <a:ln w="9525" cap="flat" cmpd="sng" algn="ctr">
+          <a:solidFill>
+            <a:schemeClr val="phClr">
+              <a:shade val="95000"/>
+              <a:satMod val="105000"/>
+            </a:schemeClr>
+          </a:solidFill>
+          <a:prstDash val="solid"/>
+        </a:ln>
+        <a:ln w="25400" cap="flat" cmpd="sng" algn="ctr">
+          <a:solidFill>
+            <a:schemeClr val="phClr"/>
+          </a:solidFill>
+          <a:prstDash val="solid"/>
+        </a:ln>
+        <a:ln w="38100" cap="flat" cmpd="sng" algn="ctr">
+          <a:solidFill>
+            <a:schemeClr val="phClr"/>
+          </a:solidFill>
+          <a:prstDash val="solid"/>
+        </a:ln>
+      </a:lnStyleLst>
+      <a:effectStyleLst>
+        <a:effectStyle>
+          <a:effectLst>
+            <a:outerShdw blurRad="40000" dist="20000" dir="5400000" rotWithShape="0">
+              <a:srgbClr val="000000">
+                <a:alpha val="38000"/>
+              </a:srgbClr>
+            </a:outerShdw>
+          </a:effectLst>
+        </a:effectStyle>
+        <a:effectStyle>
+          <a:effectLst>
+            <a:outerShdw blurRad="40000" dist="23000" dir="5400000" rotWithShape="0">
+              <a:srgbClr val="000000">
+                <a:alpha val="35000"/>
+              </a:srgbClr>
+            </a:outerShdw>
+          </a:effectLst>
+        </a:effectStyle>
+        <a:effectStyle>
+          <a:effectLst>
+            <a:outerShdw blurRad="40000" dist="23000" dir="5400000" rotWithShape="0">
+              <a:srgbClr val="000000">
+                <a:alpha val="35000"/>
+              </a:srgbClr>
+            </a:outerShdw>
+          </a:effectLst>
+          <a:scene3d>
+            <a:camera prst="orthographicFront">
+              <a:rot lat="0" lon="0" rev="0"/>
+            </a:camera>
+            <a:lightRig rig="threePt" dir="t">
+              <a:rot lat="0" lon="0" rev="1200000"/>
+            </a:lightRig>
+          </a:scene3d>
+          <a:sp3d>
+            <a:bevelT w="63500" h="25400"/>
+          </a:sp3d>
+        </a:effectStyle>
+      </a:effectStyleLst>
+      <a:bgFillStyleLst>
+        <a:solidFill>
+          <a:schemeClr val="phClr"/>
+        </a:solidFill>
+        <a:gradFill rotWithShape="1">
+          <a:gsLst>
+            <a:gs pos="0">
+              <a:schemeClr val="phClr">
+                <a:tint val="40000"/>
+                <a:satMod val="350000"/>
+              </a:schemeClr>
+            </a:gs>
+            <a:gs pos="40000">
+              <a:schemeClr val="phClr">
+                <a:tint val="45000"/>
+                <a:shade val="99000"/>
+                <a:satMod val="350000"/>
+              </a:schemeClr>
+            </a:gs>
+            <a:gs pos="100000">
+              <a:schemeClr val="phClr">
+                <a:shade val="20000"/>
+                <a:satMod val="255000"/>
+              </a:schemeClr>
+            </a:gs>
+          </a:gsLst>
+          <a:path path="circle">
+            <a:fillToRect l="50000" t="-80000" r="50000" b="180000"/>
+          </a:path>
+        </a:gradFill>
+        <a:gradFill rotWithShape="1">
+          <a:gsLst>
+            <a:gs pos="0">
+              <a:schemeClr val="phClr">
+                <a:tint val="80000"/>
+                <a:satMod val="300000"/>
+              </a:schemeClr>
+            </a:gs>
+            <a:gs pos="100000">
+              <a:schemeClr val="phClr">
+                <a:shade val="30000"/>
+                <a:satMod val="200000"/>
+              </a:schemeClr>
+            </a:gs>
+          </a:gsLst>
+          <a:path path="circle">
+            <a:fillToRect l="50000" t="50000" r="50000" b="50000"/>
+          </a:path>
+        </a:gradFill>
+      </a:bgFillStyleLst>
+    </a:fmtScheme>
+  </a:themeElements>
+</a:theme>
 </file>